--- a/Random Faults CUDA/Presentation.pptx
+++ b/Random Faults CUDA/Presentation.pptx
@@ -107,6 +107,11 @@
       </a:defRPr>
     </a:lvl9pPr>
   </p:defaultTextStyle>
+  <p:extLst>
+    <p:ext uri="{EFAFB233-063F-42B5-8137-9DF3F51BA10A}">
+      <p15:sldGuideLst xmlns:p15="http://schemas.microsoft.com/office/powerpoint/2012/main"/>
+    </p:ext>
+  </p:extLst>
 </p:presentation>
 </file>
 
@@ -1256,7 +1261,7 @@
 </file>
 
 <file path=ppt/diagrams/colors1.xml><?xml version="1.0" encoding="utf-8"?>
-<dgm:colorsDef xmlns:dgm="http://schemas.openxmlformats.org/drawingml/2006/diagram" xmlns:a="http://schemas.openxmlformats.org/drawingml/2006/main" uniqueId="urn:microsoft.com/office/officeart/2018/5/colors/Iconchunking_neutralicontext_colorful1">
+<dgm:colorsDef xmlns:dgm="http://schemas.openxmlformats.org/drawingml/2006/diagram" xmlns:a="http://schemas.openxmlformats.org/drawingml/2006/main" uniqueId="urn:microsoft.com/office/officeart/2005/8/colors/colorful1">
   <dgm:title val=""/>
   <dgm:desc val=""/>
   <dgm:catLst>
@@ -1276,18 +1281,18 @@
   </dgm:styleLbl>
   <dgm:styleLbl name="node1">
     <dgm:fillClrLst meth="repeat">
-      <a:schemeClr val="bg1"/>
+      <a:schemeClr val="accent2"/>
+      <a:schemeClr val="accent3"/>
+      <a:schemeClr val="accent4"/>
+      <a:schemeClr val="accent5"/>
+      <a:schemeClr val="accent6"/>
     </dgm:fillClrLst>
     <dgm:linClrLst meth="repeat">
-      <a:schemeClr val="lt1">
-        <a:alpha val="0"/>
-      </a:schemeClr>
+      <a:schemeClr val="lt1"/>
     </dgm:linClrLst>
     <dgm:effectClrLst/>
     <dgm:txLinClrLst/>
-    <dgm:txFillClrLst meth="repeat">
-      <a:schemeClr val="dk1"/>
-    </dgm:txFillClrLst>
+    <dgm:txFillClrLst/>
     <dgm:txEffectClrLst/>
   </dgm:styleLbl>
   <dgm:styleLbl name="alignNode1">
@@ -2090,20 +2095,18 @@
   </dgm:styleLbl>
   <dgm:styleLbl name="bgShp">
     <dgm:fillClrLst meth="repeat">
-      <a:schemeClr val="accent2"/>
-      <a:schemeClr val="accent3"/>
-      <a:schemeClr val="accent4"/>
-      <a:schemeClr val="accent5"/>
-      <a:schemeClr val="accent6"/>
+      <a:schemeClr val="accent2">
+        <a:tint val="40000"/>
+      </a:schemeClr>
     </dgm:fillClrLst>
     <dgm:linClrLst meth="repeat">
-      <a:schemeClr val="lt1">
-        <a:alpha val="0"/>
-      </a:schemeClr>
+      <a:schemeClr val="dk1"/>
     </dgm:linClrLst>
     <dgm:effectClrLst/>
     <dgm:txLinClrLst/>
-    <dgm:txFillClrLst/>
+    <dgm:txFillClrLst meth="repeat">
+      <a:schemeClr val="dk1"/>
+    </dgm:txFillClrLst>
     <dgm:txEffectClrLst/>
   </dgm:styleLbl>
   <dgm:styleLbl name="dkBgShp">
@@ -2169,7 +2172,7 @@
     <dgm:effectClrLst/>
     <dgm:txLinClrLst/>
     <dgm:txFillClrLst meth="repeat">
-      <a:schemeClr val="bg1"/>
+      <a:schemeClr val="tx1"/>
     </dgm:txFillClrLst>
     <dgm:txEffectClrLst/>
   </dgm:styleLbl>
@@ -2180,7 +2183,7 @@
 <dgm:dataModel xmlns:dgm="http://schemas.openxmlformats.org/drawingml/2006/diagram" xmlns:a="http://schemas.openxmlformats.org/drawingml/2006/main">
   <dgm:ptLst>
     <dgm:pt modelId="{7DFEED5D-C977-42D8-9430-5D707D6E4354}" type="doc">
-      <dgm:prSet loTypeId="urn:microsoft.com/office/officeart/2018/2/layout/IconVerticalSolidList" loCatId="icon" qsTypeId="urn:microsoft.com/office/officeart/2005/8/quickstyle/simple1" qsCatId="simple" csTypeId="urn:microsoft.com/office/officeart/2018/5/colors/Iconchunking_neutralicontext_colorful1" csCatId="colorful" phldr="1"/>
+      <dgm:prSet loTypeId="urn:microsoft.com/office/officeart/2005/8/layout/hierarchy1" loCatId="hierarchy" qsTypeId="urn:microsoft.com/office/officeart/2005/8/quickstyle/simple4" qsCatId="simple" csTypeId="urn:microsoft.com/office/officeart/2005/8/colors/colorful1" csCatId="colorful" phldr="1"/>
       <dgm:spPr/>
       <dgm:t>
         <a:bodyPr/>
@@ -2197,6 +2200,11 @@
         <a:bodyPr/>
         <a:lstStyle/>
         <a:p>
+          <a:pPr>
+            <a:lnSpc>
+              <a:spcPct val="100000"/>
+            </a:lnSpc>
+          </a:pPr>
           <a:r>
             <a:rPr lang="en-US"/>
             <a:t>Host: declare a vector of Line, iterate all of lines for each point on height map, increase/decrease the value depending it’s on the left/right side of a line.</a:t>
@@ -2233,6 +2241,11 @@
         <a:bodyPr/>
         <a:lstStyle/>
         <a:p>
+          <a:pPr>
+            <a:lnSpc>
+              <a:spcPct val="100000"/>
+            </a:lnSpc>
+          </a:pPr>
           <a:r>
             <a:rPr lang="en-US"/>
             <a:t>Device: Use an array of Line stored in constant memory. The rest is same.</a:t>
@@ -2262,141 +2275,89 @@
         </a:p>
       </dgm:t>
     </dgm:pt>
-    <dgm:pt modelId="{D6848EDA-128A-40BD-9604-3EB523F80156}" type="pres">
-      <dgm:prSet presAssocID="{7DFEED5D-C977-42D8-9430-5D707D6E4354}" presName="root" presStyleCnt="0">
+    <dgm:pt modelId="{7A8CD0C8-48BD-4B50-9D92-2D572F6BF460}" type="pres">
+      <dgm:prSet presAssocID="{7DFEED5D-C977-42D8-9430-5D707D6E4354}" presName="hierChild1" presStyleCnt="0">
         <dgm:presLayoutVars>
+          <dgm:chPref val="1"/>
           <dgm:dir/>
-          <dgm:resizeHandles val="exact"/>
+          <dgm:animOne val="branch"/>
+          <dgm:animLvl val="lvl"/>
+          <dgm:resizeHandles/>
         </dgm:presLayoutVars>
       </dgm:prSet>
       <dgm:spPr/>
     </dgm:pt>
-    <dgm:pt modelId="{C192A4CF-3880-4B1A-921E-DB0749E9A83C}" type="pres">
-      <dgm:prSet presAssocID="{3E0CBBDC-4118-4C1C-BA51-311B9D37E9D1}" presName="compNode" presStyleCnt="0"/>
+    <dgm:pt modelId="{2E68BECC-0A4D-445C-8304-7E8737016659}" type="pres">
+      <dgm:prSet presAssocID="{3E0CBBDC-4118-4C1C-BA51-311B9D37E9D1}" presName="hierRoot1" presStyleCnt="0"/>
       <dgm:spPr/>
     </dgm:pt>
-    <dgm:pt modelId="{0E0F5B6F-8CBD-489C-82AD-63CF573E6FF1}" type="pres">
-      <dgm:prSet presAssocID="{3E0CBBDC-4118-4C1C-BA51-311B9D37E9D1}" presName="bgRect" presStyleLbl="bgShp" presStyleIdx="0" presStyleCnt="2"/>
+    <dgm:pt modelId="{26ADBD62-9FB9-4912-8924-6B1E1806E72D}" type="pres">
+      <dgm:prSet presAssocID="{3E0CBBDC-4118-4C1C-BA51-311B9D37E9D1}" presName="composite" presStyleCnt="0"/>
       <dgm:spPr/>
     </dgm:pt>
-    <dgm:pt modelId="{BD2F1A6B-0F36-4687-9997-49E3D68581EA}" type="pres">
-      <dgm:prSet presAssocID="{3E0CBBDC-4118-4C1C-BA51-311B9D37E9D1}" presName="iconRect" presStyleLbl="node1" presStyleIdx="0" presStyleCnt="2"/>
-      <dgm:spPr>
-        <a:blipFill>
-          <a:blip xmlns:r="http://schemas.openxmlformats.org/officeDocument/2006/relationships" r:embed="rId1">
-            <a:extLst>
-              <a:ext uri="{28A0092B-C50C-407E-A947-70E740481C1C}">
-                <a14:useLocalDpi xmlns:a14="http://schemas.microsoft.com/office/drawing/2010/main" val="0"/>
-              </a:ext>
-              <a:ext uri="{96DAC541-7B7A-43D3-8B79-37D633B846F1}">
-                <asvg:svgBlip xmlns:asvg="http://schemas.microsoft.com/office/drawing/2016/SVG/main" r:embed="rId2"/>
-              </a:ext>
-            </a:extLst>
-          </a:blip>
-          <a:stretch>
-            <a:fillRect/>
-          </a:stretch>
-        </a:blipFill>
-        <a:ln>
-          <a:noFill/>
-        </a:ln>
-      </dgm:spPr>
-      <dgm:extLst>
-        <a:ext uri="{E40237B7-FDA0-4F09-8148-C483321AD2D9}">
-          <dgm14:cNvPr xmlns:dgm14="http://schemas.microsoft.com/office/drawing/2010/diagram" id="0" name="" descr="Web Design"/>
-        </a:ext>
-      </dgm:extLst>
-    </dgm:pt>
-    <dgm:pt modelId="{8A1AD116-A115-4F96-99A2-6E024566AC39}" type="pres">
-      <dgm:prSet presAssocID="{3E0CBBDC-4118-4C1C-BA51-311B9D37E9D1}" presName="spaceRect" presStyleCnt="0"/>
+    <dgm:pt modelId="{A4E61BD5-2679-4B48-916F-8BAB83B5AC01}" type="pres">
+      <dgm:prSet presAssocID="{3E0CBBDC-4118-4C1C-BA51-311B9D37E9D1}" presName="background" presStyleLbl="node0" presStyleIdx="0" presStyleCnt="2"/>
       <dgm:spPr/>
     </dgm:pt>
-    <dgm:pt modelId="{018B2DC3-715D-4D81-9747-773AE4F16D01}" type="pres">
-      <dgm:prSet presAssocID="{3E0CBBDC-4118-4C1C-BA51-311B9D37E9D1}" presName="parTx" presStyleLbl="revTx" presStyleIdx="0" presStyleCnt="2">
+    <dgm:pt modelId="{13CFD701-25F4-4649-9B09-F9A01ADEECBC}" type="pres">
+      <dgm:prSet presAssocID="{3E0CBBDC-4118-4C1C-BA51-311B9D37E9D1}" presName="text" presStyleLbl="fgAcc0" presStyleIdx="0" presStyleCnt="2">
         <dgm:presLayoutVars>
-          <dgm:chMax val="0"/>
-          <dgm:chPref val="0"/>
+          <dgm:chPref val="3"/>
         </dgm:presLayoutVars>
       </dgm:prSet>
       <dgm:spPr/>
     </dgm:pt>
-    <dgm:pt modelId="{F9EDB598-85EE-43CE-8E6D-D85D5A774B47}" type="pres">
-      <dgm:prSet presAssocID="{015FB0F4-93B2-4FFE-A384-706B85A80FC0}" presName="sibTrans" presStyleCnt="0"/>
+    <dgm:pt modelId="{BD4FA605-C5A3-49FE-B36E-CD061451E269}" type="pres">
+      <dgm:prSet presAssocID="{3E0CBBDC-4118-4C1C-BA51-311B9D37E9D1}" presName="hierChild2" presStyleCnt="0"/>
       <dgm:spPr/>
     </dgm:pt>
-    <dgm:pt modelId="{FD0851FD-7F3D-4DCA-A5A3-483E53F6411E}" type="pres">
-      <dgm:prSet presAssocID="{79AC9847-89C4-4EEB-AF71-3B23D94C533A}" presName="compNode" presStyleCnt="0"/>
+    <dgm:pt modelId="{769CAD6D-0984-4114-A0C0-DD567E6B6FAF}" type="pres">
+      <dgm:prSet presAssocID="{79AC9847-89C4-4EEB-AF71-3B23D94C533A}" presName="hierRoot1" presStyleCnt="0"/>
       <dgm:spPr/>
     </dgm:pt>
-    <dgm:pt modelId="{9F5BE5B7-6629-481F-8C08-2B2CE2779C62}" type="pres">
-      <dgm:prSet presAssocID="{79AC9847-89C4-4EEB-AF71-3B23D94C533A}" presName="bgRect" presStyleLbl="bgShp" presStyleIdx="1" presStyleCnt="2"/>
+    <dgm:pt modelId="{9685191C-40BC-4562-AF10-658C279FDBE6}" type="pres">
+      <dgm:prSet presAssocID="{79AC9847-89C4-4EEB-AF71-3B23D94C533A}" presName="composite" presStyleCnt="0"/>
       <dgm:spPr/>
     </dgm:pt>
-    <dgm:pt modelId="{3687054A-367A-4426-B2DC-182DD434393F}" type="pres">
-      <dgm:prSet presAssocID="{79AC9847-89C4-4EEB-AF71-3B23D94C533A}" presName="iconRect" presStyleLbl="node1" presStyleIdx="1" presStyleCnt="2"/>
-      <dgm:spPr>
-        <a:blipFill>
-          <a:blip xmlns:r="http://schemas.openxmlformats.org/officeDocument/2006/relationships" r:embed="rId3">
-            <a:extLst>
-              <a:ext uri="{28A0092B-C50C-407E-A947-70E740481C1C}">
-                <a14:useLocalDpi xmlns:a14="http://schemas.microsoft.com/office/drawing/2010/main" val="0"/>
-              </a:ext>
-              <a:ext uri="{96DAC541-7B7A-43D3-8B79-37D633B846F1}">
-                <asvg:svgBlip xmlns:asvg="http://schemas.microsoft.com/office/drawing/2016/SVG/main" r:embed="rId4"/>
-              </a:ext>
-            </a:extLst>
-          </a:blip>
-          <a:stretch>
-            <a:fillRect/>
-          </a:stretch>
-        </a:blipFill>
-        <a:ln>
-          <a:noFill/>
-        </a:ln>
-      </dgm:spPr>
-      <dgm:extLst>
-        <a:ext uri="{E40237B7-FDA0-4F09-8148-C483321AD2D9}">
-          <dgm14:cNvPr xmlns:dgm14="http://schemas.microsoft.com/office/drawing/2010/diagram" id="0" name="" descr="处理器"/>
-        </a:ext>
-      </dgm:extLst>
-    </dgm:pt>
-    <dgm:pt modelId="{3B6FBF3F-05A2-43A3-AE31-34111AA732F5}" type="pres">
-      <dgm:prSet presAssocID="{79AC9847-89C4-4EEB-AF71-3B23D94C533A}" presName="spaceRect" presStyleCnt="0"/>
+    <dgm:pt modelId="{8D02D732-D185-4339-885C-C20D7F7C47E6}" type="pres">
+      <dgm:prSet presAssocID="{79AC9847-89C4-4EEB-AF71-3B23D94C533A}" presName="background" presStyleLbl="node0" presStyleIdx="1" presStyleCnt="2"/>
       <dgm:spPr/>
     </dgm:pt>
-    <dgm:pt modelId="{BE9831A0-CCA8-47A6-B302-7F030FB1A021}" type="pres">
-      <dgm:prSet presAssocID="{79AC9847-89C4-4EEB-AF71-3B23D94C533A}" presName="parTx" presStyleLbl="revTx" presStyleIdx="1" presStyleCnt="2">
+    <dgm:pt modelId="{1DE4CF53-D9CB-4715-8C05-F9E534CDA66B}" type="pres">
+      <dgm:prSet presAssocID="{79AC9847-89C4-4EEB-AF71-3B23D94C533A}" presName="text" presStyleLbl="fgAcc0" presStyleIdx="1" presStyleCnt="2">
         <dgm:presLayoutVars>
-          <dgm:chMax val="0"/>
-          <dgm:chPref val="0"/>
+          <dgm:chPref val="3"/>
         </dgm:presLayoutVars>
       </dgm:prSet>
       <dgm:spPr/>
     </dgm:pt>
+    <dgm:pt modelId="{723B3705-9A9F-4CCE-B092-8C2125369151}" type="pres">
+      <dgm:prSet presAssocID="{79AC9847-89C4-4EEB-AF71-3B23D94C533A}" presName="hierChild2" presStyleCnt="0"/>
+      <dgm:spPr/>
+    </dgm:pt>
   </dgm:ptLst>
   <dgm:cxnLst>
-    <dgm:cxn modelId="{F47FEE37-D237-4681-BF44-C308333F89EF}" type="presOf" srcId="{79AC9847-89C4-4EEB-AF71-3B23D94C533A}" destId="{BE9831A0-CCA8-47A6-B302-7F030FB1A021}" srcOrd="0" destOrd="0" presId="urn:microsoft.com/office/officeart/2018/2/layout/IconVerticalSolidList"/>
-    <dgm:cxn modelId="{65D28086-4245-4F7A-A3E5-63A24B18E5CA}" type="presOf" srcId="{7DFEED5D-C977-42D8-9430-5D707D6E4354}" destId="{D6848EDA-128A-40BD-9604-3EB523F80156}" srcOrd="0" destOrd="0" presId="urn:microsoft.com/office/officeart/2018/2/layout/IconVerticalSolidList"/>
+    <dgm:cxn modelId="{70EF5A10-10ED-4CA0-BCF8-3604B7AB358B}" type="presOf" srcId="{3E0CBBDC-4118-4C1C-BA51-311B9D37E9D1}" destId="{13CFD701-25F4-4649-9B09-F9A01ADEECBC}" srcOrd="0" destOrd="0" presId="urn:microsoft.com/office/officeart/2005/8/layout/hierarchy1"/>
+    <dgm:cxn modelId="{B37FC342-7CBA-4064-8C58-31A409988178}" type="presOf" srcId="{7DFEED5D-C977-42D8-9430-5D707D6E4354}" destId="{7A8CD0C8-48BD-4B50-9D92-2D572F6BF460}" srcOrd="0" destOrd="0" presId="urn:microsoft.com/office/officeart/2005/8/layout/hierarchy1"/>
     <dgm:cxn modelId="{2E1F9E90-E68D-433B-85A4-A3ABFF8984F6}" srcId="{7DFEED5D-C977-42D8-9430-5D707D6E4354}" destId="{3E0CBBDC-4118-4C1C-BA51-311B9D37E9D1}" srcOrd="0" destOrd="0" parTransId="{E160D9D3-343D-4CFB-9DCD-0318AFA2CCB1}" sibTransId="{015FB0F4-93B2-4FFE-A384-706B85A80FC0}"/>
-    <dgm:cxn modelId="{8341D09C-369F-4F9C-BF73-24350BAEF8D1}" type="presOf" srcId="{3E0CBBDC-4118-4C1C-BA51-311B9D37E9D1}" destId="{018B2DC3-715D-4D81-9747-773AE4F16D01}" srcOrd="0" destOrd="0" presId="urn:microsoft.com/office/officeart/2018/2/layout/IconVerticalSolidList"/>
+    <dgm:cxn modelId="{43B2789C-A131-4203-90F4-89F92F699239}" type="presOf" srcId="{79AC9847-89C4-4EEB-AF71-3B23D94C533A}" destId="{1DE4CF53-D9CB-4715-8C05-F9E534CDA66B}" srcOrd="0" destOrd="0" presId="urn:microsoft.com/office/officeart/2005/8/layout/hierarchy1"/>
     <dgm:cxn modelId="{49435DCE-00E7-48BB-8E2B-280E38B0ADEF}" srcId="{7DFEED5D-C977-42D8-9430-5D707D6E4354}" destId="{79AC9847-89C4-4EEB-AF71-3B23D94C533A}" srcOrd="1" destOrd="0" parTransId="{9296FA04-E821-48AC-9EE8-F5218188E6B2}" sibTransId="{9324AC37-6F07-44B0-98A6-2D003AF830D4}"/>
-    <dgm:cxn modelId="{B47C886C-C3AE-4B7B-8B70-58749210A688}" type="presParOf" srcId="{D6848EDA-128A-40BD-9604-3EB523F80156}" destId="{C192A4CF-3880-4B1A-921E-DB0749E9A83C}" srcOrd="0" destOrd="0" presId="urn:microsoft.com/office/officeart/2018/2/layout/IconVerticalSolidList"/>
-    <dgm:cxn modelId="{4E56EC41-9FF8-4AF1-A26B-4C33B5451D9B}" type="presParOf" srcId="{C192A4CF-3880-4B1A-921E-DB0749E9A83C}" destId="{0E0F5B6F-8CBD-489C-82AD-63CF573E6FF1}" srcOrd="0" destOrd="0" presId="urn:microsoft.com/office/officeart/2018/2/layout/IconVerticalSolidList"/>
-    <dgm:cxn modelId="{843C9B24-507E-4C48-A2B4-3F221EF88E22}" type="presParOf" srcId="{C192A4CF-3880-4B1A-921E-DB0749E9A83C}" destId="{BD2F1A6B-0F36-4687-9997-49E3D68581EA}" srcOrd="1" destOrd="0" presId="urn:microsoft.com/office/officeart/2018/2/layout/IconVerticalSolidList"/>
-    <dgm:cxn modelId="{9F62CC30-1E8D-4C23-9B6A-F3769B239721}" type="presParOf" srcId="{C192A4CF-3880-4B1A-921E-DB0749E9A83C}" destId="{8A1AD116-A115-4F96-99A2-6E024566AC39}" srcOrd="2" destOrd="0" presId="urn:microsoft.com/office/officeart/2018/2/layout/IconVerticalSolidList"/>
-    <dgm:cxn modelId="{89C8C322-1C73-4654-BE2E-9D758AD18725}" type="presParOf" srcId="{C192A4CF-3880-4B1A-921E-DB0749E9A83C}" destId="{018B2DC3-715D-4D81-9747-773AE4F16D01}" srcOrd="3" destOrd="0" presId="urn:microsoft.com/office/officeart/2018/2/layout/IconVerticalSolidList"/>
-    <dgm:cxn modelId="{1A7FA1E2-74F4-4E31-B3EE-9F2811699AFF}" type="presParOf" srcId="{D6848EDA-128A-40BD-9604-3EB523F80156}" destId="{F9EDB598-85EE-43CE-8E6D-D85D5A774B47}" srcOrd="1" destOrd="0" presId="urn:microsoft.com/office/officeart/2018/2/layout/IconVerticalSolidList"/>
-    <dgm:cxn modelId="{47CC3BBD-7C48-4DD2-A4D2-36C460D28697}" type="presParOf" srcId="{D6848EDA-128A-40BD-9604-3EB523F80156}" destId="{FD0851FD-7F3D-4DCA-A5A3-483E53F6411E}" srcOrd="2" destOrd="0" presId="urn:microsoft.com/office/officeart/2018/2/layout/IconVerticalSolidList"/>
-    <dgm:cxn modelId="{18F6C38B-6570-41C3-A03D-F61C06899FE5}" type="presParOf" srcId="{FD0851FD-7F3D-4DCA-A5A3-483E53F6411E}" destId="{9F5BE5B7-6629-481F-8C08-2B2CE2779C62}" srcOrd="0" destOrd="0" presId="urn:microsoft.com/office/officeart/2018/2/layout/IconVerticalSolidList"/>
-    <dgm:cxn modelId="{05F0A768-4A18-413B-A96C-A53ED78D671C}" type="presParOf" srcId="{FD0851FD-7F3D-4DCA-A5A3-483E53F6411E}" destId="{3687054A-367A-4426-B2DC-182DD434393F}" srcOrd="1" destOrd="0" presId="urn:microsoft.com/office/officeart/2018/2/layout/IconVerticalSolidList"/>
-    <dgm:cxn modelId="{4557F810-8E35-4F95-AE31-B1A4CC40874B}" type="presParOf" srcId="{FD0851FD-7F3D-4DCA-A5A3-483E53F6411E}" destId="{3B6FBF3F-05A2-43A3-AE31-34111AA732F5}" srcOrd="2" destOrd="0" presId="urn:microsoft.com/office/officeart/2018/2/layout/IconVerticalSolidList"/>
-    <dgm:cxn modelId="{E05F7776-8990-4BB3-9ACA-17444C54596D}" type="presParOf" srcId="{FD0851FD-7F3D-4DCA-A5A3-483E53F6411E}" destId="{BE9831A0-CCA8-47A6-B302-7F030FB1A021}" srcOrd="3" destOrd="0" presId="urn:microsoft.com/office/officeart/2018/2/layout/IconVerticalSolidList"/>
+    <dgm:cxn modelId="{3516BECA-D1B1-449D-8C67-C9F5317CE841}" type="presParOf" srcId="{7A8CD0C8-48BD-4B50-9D92-2D572F6BF460}" destId="{2E68BECC-0A4D-445C-8304-7E8737016659}" srcOrd="0" destOrd="0" presId="urn:microsoft.com/office/officeart/2005/8/layout/hierarchy1"/>
+    <dgm:cxn modelId="{F46AEEFA-1143-4446-879A-2B2F27F18040}" type="presParOf" srcId="{2E68BECC-0A4D-445C-8304-7E8737016659}" destId="{26ADBD62-9FB9-4912-8924-6B1E1806E72D}" srcOrd="0" destOrd="0" presId="urn:microsoft.com/office/officeart/2005/8/layout/hierarchy1"/>
+    <dgm:cxn modelId="{1A53C79F-C066-422E-A981-EBEFB9CCBC2B}" type="presParOf" srcId="{26ADBD62-9FB9-4912-8924-6B1E1806E72D}" destId="{A4E61BD5-2679-4B48-916F-8BAB83B5AC01}" srcOrd="0" destOrd="0" presId="urn:microsoft.com/office/officeart/2005/8/layout/hierarchy1"/>
+    <dgm:cxn modelId="{39947AD3-46C9-4278-BB69-4FA67544C46C}" type="presParOf" srcId="{26ADBD62-9FB9-4912-8924-6B1E1806E72D}" destId="{13CFD701-25F4-4649-9B09-F9A01ADEECBC}" srcOrd="1" destOrd="0" presId="urn:microsoft.com/office/officeart/2005/8/layout/hierarchy1"/>
+    <dgm:cxn modelId="{8BEFE47C-4F05-4EF4-B02D-A20A3A381C69}" type="presParOf" srcId="{2E68BECC-0A4D-445C-8304-7E8737016659}" destId="{BD4FA605-C5A3-49FE-B36E-CD061451E269}" srcOrd="1" destOrd="0" presId="urn:microsoft.com/office/officeart/2005/8/layout/hierarchy1"/>
+    <dgm:cxn modelId="{9900AFF0-2656-4FE7-9AC0-870CAE1AEDA1}" type="presParOf" srcId="{7A8CD0C8-48BD-4B50-9D92-2D572F6BF460}" destId="{769CAD6D-0984-4114-A0C0-DD567E6B6FAF}" srcOrd="1" destOrd="0" presId="urn:microsoft.com/office/officeart/2005/8/layout/hierarchy1"/>
+    <dgm:cxn modelId="{BDC233A7-44C6-4093-91B7-9CCA43455D06}" type="presParOf" srcId="{769CAD6D-0984-4114-A0C0-DD567E6B6FAF}" destId="{9685191C-40BC-4562-AF10-658C279FDBE6}" srcOrd="0" destOrd="0" presId="urn:microsoft.com/office/officeart/2005/8/layout/hierarchy1"/>
+    <dgm:cxn modelId="{26072E28-6ADC-4F98-8E71-944CFB1A1698}" type="presParOf" srcId="{9685191C-40BC-4562-AF10-658C279FDBE6}" destId="{8D02D732-D185-4339-885C-C20D7F7C47E6}" srcOrd="0" destOrd="0" presId="urn:microsoft.com/office/officeart/2005/8/layout/hierarchy1"/>
+    <dgm:cxn modelId="{F73F5FE4-8E4F-478A-8F69-475753A182E7}" type="presParOf" srcId="{9685191C-40BC-4562-AF10-658C279FDBE6}" destId="{1DE4CF53-D9CB-4715-8C05-F9E534CDA66B}" srcOrd="1" destOrd="0" presId="urn:microsoft.com/office/officeart/2005/8/layout/hierarchy1"/>
+    <dgm:cxn modelId="{C64B9581-B9D1-48A0-96E7-0C70385CDFAC}" type="presParOf" srcId="{769CAD6D-0984-4114-A0C0-DD567E6B6FAF}" destId="{723B3705-9A9F-4CCE-B092-8C2125369151}" srcOrd="1" destOrd="0" presId="urn:microsoft.com/office/officeart/2005/8/layout/hierarchy1"/>
   </dgm:cxnLst>
   <dgm:bg/>
   <dgm:whole/>
   <dgm:extLst>
     <a:ext uri="http://schemas.microsoft.com/office/drawing/2008/diagram">
-      <dsp:dataModelExt xmlns:dsp="http://schemas.microsoft.com/office/drawing/2008/diagram" relId="rId6" minVer="http://schemas.openxmlformats.org/drawingml/2006/diagram"/>
+      <dsp:dataModelExt xmlns:dsp="http://schemas.microsoft.com/office/drawing/2008/diagram" relId="rId7" minVer="http://schemas.openxmlformats.org/drawingml/2006/diagram"/>
     </a:ext>
   </dgm:extLst>
 </dgm:dataModel>
@@ -2410,15 +2371,88 @@
       <dsp:cNvGrpSpPr/>
     </dsp:nvGrpSpPr>
     <dsp:grpSpPr/>
-    <dsp:sp modelId="{0E0F5B6F-8CBD-489C-82AD-63CF573E6FF1}">
+    <dsp:sp modelId="{A4E61BD5-2679-4B48-916F-8BAB83B5AC01}">
       <dsp:nvSpPr>
         <dsp:cNvPr id="0" name=""/>
         <dsp:cNvSpPr/>
       </dsp:nvSpPr>
       <dsp:spPr>
         <a:xfrm>
-          <a:off x="0" y="708097"/>
-          <a:ext cx="10515600" cy="1307257"/>
+          <a:off x="667" y="1965935"/>
+          <a:ext cx="2343137" cy="1487892"/>
+        </a:xfrm>
+        <a:prstGeom prst="roundRect">
+          <a:avLst>
+            <a:gd name="adj" fmla="val 10000"/>
+          </a:avLst>
+        </a:prstGeom>
+        <a:gradFill rotWithShape="0">
+          <a:gsLst>
+            <a:gs pos="0">
+              <a:schemeClr val="accent1">
+                <a:hueOff val="0"/>
+                <a:satOff val="0"/>
+                <a:lumOff val="0"/>
+                <a:alphaOff val="0"/>
+                <a:satMod val="103000"/>
+                <a:lumMod val="102000"/>
+                <a:tint val="94000"/>
+              </a:schemeClr>
+            </a:gs>
+            <a:gs pos="50000">
+              <a:schemeClr val="accent1">
+                <a:hueOff val="0"/>
+                <a:satOff val="0"/>
+                <a:lumOff val="0"/>
+                <a:alphaOff val="0"/>
+                <a:satMod val="110000"/>
+                <a:lumMod val="100000"/>
+                <a:shade val="100000"/>
+              </a:schemeClr>
+            </a:gs>
+            <a:gs pos="100000">
+              <a:schemeClr val="accent1">
+                <a:hueOff val="0"/>
+                <a:satOff val="0"/>
+                <a:lumOff val="0"/>
+                <a:alphaOff val="0"/>
+                <a:lumMod val="99000"/>
+                <a:satMod val="120000"/>
+                <a:shade val="78000"/>
+              </a:schemeClr>
+            </a:gs>
+          </a:gsLst>
+          <a:lin ang="5400000" scaled="0"/>
+        </a:gradFill>
+        <a:ln>
+          <a:noFill/>
+        </a:ln>
+        <a:effectLst/>
+      </dsp:spPr>
+      <dsp:style>
+        <a:lnRef idx="0">
+          <a:scrgbClr r="0" g="0" b="0"/>
+        </a:lnRef>
+        <a:fillRef idx="3">
+          <a:scrgbClr r="0" g="0" b="0"/>
+        </a:fillRef>
+        <a:effectRef idx="2">
+          <a:scrgbClr r="0" g="0" b="0"/>
+        </a:effectRef>
+        <a:fontRef idx="minor">
+          <a:schemeClr val="lt1"/>
+        </a:fontRef>
+      </dsp:style>
+    </dsp:sp>
+    <dsp:sp modelId="{13CFD701-25F4-4649-9B09-F9A01ADEECBC}">
+      <dsp:nvSpPr>
+        <dsp:cNvPr id="0" name=""/>
+        <dsp:cNvSpPr/>
+      </dsp:nvSpPr>
+      <dsp:spPr>
+        <a:xfrm>
+          <a:off x="261016" y="2213266"/>
+          <a:ext cx="2343137" cy="1487892"/>
         </a:xfrm>
         <a:prstGeom prst="roundRect">
           <a:avLst>
@@ -2426,20 +2460,30 @@
           </a:avLst>
         </a:prstGeom>
         <a:solidFill>
-          <a:schemeClr val="accent2">
+          <a:schemeClr val="lt1">
+            <a:alpha val="90000"/>
             <a:hueOff val="0"/>
             <a:satOff val="0"/>
             <a:lumOff val="0"/>
             <a:alphaOff val="0"/>
           </a:schemeClr>
         </a:solidFill>
-        <a:ln>
-          <a:noFill/>
+        <a:ln w="6350" cap="flat" cmpd="sng" algn="ctr">
+          <a:solidFill>
+            <a:schemeClr val="accent1">
+              <a:hueOff val="0"/>
+              <a:satOff val="0"/>
+              <a:lumOff val="0"/>
+              <a:alphaOff val="0"/>
+            </a:schemeClr>
+          </a:solidFill>
+          <a:prstDash val="solid"/>
+          <a:miter lim="800000"/>
         </a:ln>
         <a:effectLst/>
       </dsp:spPr>
       <dsp:style>
-        <a:lnRef idx="0">
+        <a:lnRef idx="1">
           <a:scrgbClr r="0" g="0" b="0"/>
         </a:lnRef>
         <a:fillRef idx="1">
@@ -2450,97 +2494,15 @@
         </a:effectRef>
         <a:fontRef idx="minor"/>
       </dsp:style>
-    </dsp:sp>
-    <dsp:sp modelId="{BD2F1A6B-0F36-4687-9997-49E3D68581EA}">
-      <dsp:nvSpPr>
-        <dsp:cNvPr id="0" name=""/>
-        <dsp:cNvSpPr/>
-      </dsp:nvSpPr>
-      <dsp:spPr>
-        <a:xfrm>
-          <a:off x="395445" y="1002230"/>
-          <a:ext cx="718991" cy="718991"/>
-        </a:xfrm>
-        <a:prstGeom prst="rect">
-          <a:avLst/>
-        </a:prstGeom>
-        <a:blipFill>
-          <a:blip xmlns:r="http://schemas.openxmlformats.org/officeDocument/2006/relationships" r:embed="rId1">
-            <a:extLst>
-              <a:ext uri="{28A0092B-C50C-407E-A947-70E740481C1C}">
-                <a14:useLocalDpi xmlns:a14="http://schemas.microsoft.com/office/drawing/2010/main" val="0"/>
-              </a:ext>
-              <a:ext uri="{96DAC541-7B7A-43D3-8B79-37D633B846F1}">
-                <asvg:svgBlip xmlns:asvg="http://schemas.microsoft.com/office/drawing/2016/SVG/main" r:embed="rId2"/>
-              </a:ext>
-            </a:extLst>
-          </a:blip>
-          <a:stretch>
-            <a:fillRect/>
-          </a:stretch>
-        </a:blipFill>
-        <a:ln w="12700" cap="flat" cmpd="sng" algn="ctr">
-          <a:noFill/>
-          <a:prstDash val="solid"/>
-          <a:miter lim="800000"/>
-        </a:ln>
-        <a:effectLst/>
-      </dsp:spPr>
-      <dsp:style>
-        <a:lnRef idx="2">
-          <a:scrgbClr r="0" g="0" b="0"/>
-        </a:lnRef>
-        <a:fillRef idx="1">
-          <a:scrgbClr r="0" g="0" b="0"/>
-        </a:fillRef>
-        <a:effectRef idx="0">
-          <a:scrgbClr r="0" g="0" b="0"/>
-        </a:effectRef>
-        <a:fontRef idx="minor">
-          <a:schemeClr val="lt1"/>
-        </a:fontRef>
-      </dsp:style>
-    </dsp:sp>
-    <dsp:sp modelId="{018B2DC3-715D-4D81-9747-773AE4F16D01}">
-      <dsp:nvSpPr>
-        <dsp:cNvPr id="0" name=""/>
-        <dsp:cNvSpPr/>
-      </dsp:nvSpPr>
-      <dsp:spPr>
-        <a:xfrm>
-          <a:off x="1509882" y="708097"/>
-          <a:ext cx="9005717" cy="1307257"/>
-        </a:xfrm>
-        <a:prstGeom prst="rect">
-          <a:avLst/>
-        </a:prstGeom>
-        <a:noFill/>
-        <a:ln>
-          <a:noFill/>
-        </a:ln>
-        <a:effectLst/>
-      </dsp:spPr>
-      <dsp:style>
-        <a:lnRef idx="0">
-          <a:scrgbClr r="0" g="0" b="0"/>
-        </a:lnRef>
-        <a:fillRef idx="0">
-          <a:scrgbClr r="0" g="0" b="0"/>
-        </a:fillRef>
-        <a:effectRef idx="0">
-          <a:scrgbClr r="0" g="0" b="0"/>
-        </a:effectRef>
-        <a:fontRef idx="minor"/>
-      </dsp:style>
       <dsp:txBody>
-        <a:bodyPr spcFirstLastPara="0" vert="horz" wrap="square" lIns="138351" tIns="138351" rIns="138351" bIns="138351" numCol="1" spcCol="1270" anchor="ctr" anchorCtr="0">
+        <a:bodyPr spcFirstLastPara="0" vert="horz" wrap="square" lIns="49530" tIns="49530" rIns="49530" bIns="49530" numCol="1" spcCol="1270" anchor="ctr" anchorCtr="0">
           <a:noAutofit/>
         </a:bodyPr>
         <a:lstStyle/>
         <a:p>
-          <a:pPr marL="0" lvl="0" indent="0" algn="l" defTabSz="1066800">
+          <a:pPr marL="0" lvl="0" indent="0" algn="ctr" defTabSz="577850">
             <a:lnSpc>
-              <a:spcPct val="90000"/>
+              <a:spcPct val="100000"/>
             </a:lnSpc>
             <a:spcBef>
               <a:spcPct val="0"/>
@@ -2551,25 +2513,98 @@
             <a:buNone/>
           </a:pPr>
           <a:r>
-            <a:rPr lang="en-US" sz="2400" kern="1200"/>
+            <a:rPr lang="en-US" sz="1300" kern="1200"/>
             <a:t>Host: declare a vector of Line, iterate all of lines for each point on height map, increase/decrease the value depending it’s on the left/right side of a line.</a:t>
           </a:r>
         </a:p>
       </dsp:txBody>
       <dsp:txXfrm>
-        <a:off x="1509882" y="708097"/>
-        <a:ext cx="9005717" cy="1307257"/>
+        <a:off x="304595" y="2256845"/>
+        <a:ext cx="2255979" cy="1400734"/>
       </dsp:txXfrm>
     </dsp:sp>
-    <dsp:sp modelId="{9F5BE5B7-6629-481F-8C08-2B2CE2779C62}">
+    <dsp:sp modelId="{8D02D732-D185-4339-885C-C20D7F7C47E6}">
       <dsp:nvSpPr>
         <dsp:cNvPr id="0" name=""/>
         <dsp:cNvSpPr/>
       </dsp:nvSpPr>
       <dsp:spPr>
         <a:xfrm>
-          <a:off x="0" y="2342169"/>
-          <a:ext cx="10515600" cy="1307257"/>
+          <a:off x="2864501" y="1965935"/>
+          <a:ext cx="2343137" cy="1487892"/>
+        </a:xfrm>
+        <a:prstGeom prst="roundRect">
+          <a:avLst>
+            <a:gd name="adj" fmla="val 10000"/>
+          </a:avLst>
+        </a:prstGeom>
+        <a:gradFill rotWithShape="0">
+          <a:gsLst>
+            <a:gs pos="0">
+              <a:schemeClr val="accent1">
+                <a:hueOff val="0"/>
+                <a:satOff val="0"/>
+                <a:lumOff val="0"/>
+                <a:alphaOff val="0"/>
+                <a:satMod val="103000"/>
+                <a:lumMod val="102000"/>
+                <a:tint val="94000"/>
+              </a:schemeClr>
+            </a:gs>
+            <a:gs pos="50000">
+              <a:schemeClr val="accent1">
+                <a:hueOff val="0"/>
+                <a:satOff val="0"/>
+                <a:lumOff val="0"/>
+                <a:alphaOff val="0"/>
+                <a:satMod val="110000"/>
+                <a:lumMod val="100000"/>
+                <a:shade val="100000"/>
+              </a:schemeClr>
+            </a:gs>
+            <a:gs pos="100000">
+              <a:schemeClr val="accent1">
+                <a:hueOff val="0"/>
+                <a:satOff val="0"/>
+                <a:lumOff val="0"/>
+                <a:alphaOff val="0"/>
+                <a:lumMod val="99000"/>
+                <a:satMod val="120000"/>
+                <a:shade val="78000"/>
+              </a:schemeClr>
+            </a:gs>
+          </a:gsLst>
+          <a:lin ang="5400000" scaled="0"/>
+        </a:gradFill>
+        <a:ln>
+          <a:noFill/>
+        </a:ln>
+        <a:effectLst/>
+      </dsp:spPr>
+      <dsp:style>
+        <a:lnRef idx="0">
+          <a:scrgbClr r="0" g="0" b="0"/>
+        </a:lnRef>
+        <a:fillRef idx="3">
+          <a:scrgbClr r="0" g="0" b="0"/>
+        </a:fillRef>
+        <a:effectRef idx="2">
+          <a:scrgbClr r="0" g="0" b="0"/>
+        </a:effectRef>
+        <a:fontRef idx="minor">
+          <a:schemeClr val="lt1"/>
+        </a:fontRef>
+      </dsp:style>
+    </dsp:sp>
+    <dsp:sp modelId="{1DE4CF53-D9CB-4715-8C05-F9E534CDA66B}">
+      <dsp:nvSpPr>
+        <dsp:cNvPr id="0" name=""/>
+        <dsp:cNvSpPr/>
+      </dsp:nvSpPr>
+      <dsp:spPr>
+        <a:xfrm>
+          <a:off x="3124850" y="2213266"/>
+          <a:ext cx="2343137" cy="1487892"/>
         </a:xfrm>
         <a:prstGeom prst="roundRect">
           <a:avLst>
@@ -2577,20 +2612,30 @@
           </a:avLst>
         </a:prstGeom>
         <a:solidFill>
-          <a:schemeClr val="accent3">
+          <a:schemeClr val="lt1">
+            <a:alpha val="90000"/>
             <a:hueOff val="0"/>
             <a:satOff val="0"/>
             <a:lumOff val="0"/>
             <a:alphaOff val="0"/>
           </a:schemeClr>
         </a:solidFill>
-        <a:ln>
-          <a:noFill/>
+        <a:ln w="6350" cap="flat" cmpd="sng" algn="ctr">
+          <a:solidFill>
+            <a:schemeClr val="accent1">
+              <a:hueOff val="0"/>
+              <a:satOff val="0"/>
+              <a:lumOff val="0"/>
+              <a:alphaOff val="0"/>
+            </a:schemeClr>
+          </a:solidFill>
+          <a:prstDash val="solid"/>
+          <a:miter lim="800000"/>
         </a:ln>
         <a:effectLst/>
       </dsp:spPr>
       <dsp:style>
-        <a:lnRef idx="0">
+        <a:lnRef idx="1">
           <a:scrgbClr r="0" g="0" b="0"/>
         </a:lnRef>
         <a:fillRef idx="1">
@@ -2601,97 +2646,15 @@
         </a:effectRef>
         <a:fontRef idx="minor"/>
       </dsp:style>
-    </dsp:sp>
-    <dsp:sp modelId="{3687054A-367A-4426-B2DC-182DD434393F}">
-      <dsp:nvSpPr>
-        <dsp:cNvPr id="0" name=""/>
-        <dsp:cNvSpPr/>
-      </dsp:nvSpPr>
-      <dsp:spPr>
-        <a:xfrm>
-          <a:off x="395445" y="2636302"/>
-          <a:ext cx="718991" cy="718991"/>
-        </a:xfrm>
-        <a:prstGeom prst="rect">
-          <a:avLst/>
-        </a:prstGeom>
-        <a:blipFill>
-          <a:blip xmlns:r="http://schemas.openxmlformats.org/officeDocument/2006/relationships" r:embed="rId3">
-            <a:extLst>
-              <a:ext uri="{28A0092B-C50C-407E-A947-70E740481C1C}">
-                <a14:useLocalDpi xmlns:a14="http://schemas.microsoft.com/office/drawing/2010/main" val="0"/>
-              </a:ext>
-              <a:ext uri="{96DAC541-7B7A-43D3-8B79-37D633B846F1}">
-                <asvg:svgBlip xmlns:asvg="http://schemas.microsoft.com/office/drawing/2016/SVG/main" r:embed="rId4"/>
-              </a:ext>
-            </a:extLst>
-          </a:blip>
-          <a:stretch>
-            <a:fillRect/>
-          </a:stretch>
-        </a:blipFill>
-        <a:ln w="12700" cap="flat" cmpd="sng" algn="ctr">
-          <a:noFill/>
-          <a:prstDash val="solid"/>
-          <a:miter lim="800000"/>
-        </a:ln>
-        <a:effectLst/>
-      </dsp:spPr>
-      <dsp:style>
-        <a:lnRef idx="2">
-          <a:scrgbClr r="0" g="0" b="0"/>
-        </a:lnRef>
-        <a:fillRef idx="1">
-          <a:scrgbClr r="0" g="0" b="0"/>
-        </a:fillRef>
-        <a:effectRef idx="0">
-          <a:scrgbClr r="0" g="0" b="0"/>
-        </a:effectRef>
-        <a:fontRef idx="minor">
-          <a:schemeClr val="lt1"/>
-        </a:fontRef>
-      </dsp:style>
-    </dsp:sp>
-    <dsp:sp modelId="{BE9831A0-CCA8-47A6-B302-7F030FB1A021}">
-      <dsp:nvSpPr>
-        <dsp:cNvPr id="0" name=""/>
-        <dsp:cNvSpPr/>
-      </dsp:nvSpPr>
-      <dsp:spPr>
-        <a:xfrm>
-          <a:off x="1509882" y="2342169"/>
-          <a:ext cx="9005717" cy="1307257"/>
-        </a:xfrm>
-        <a:prstGeom prst="rect">
-          <a:avLst/>
-        </a:prstGeom>
-        <a:noFill/>
-        <a:ln>
-          <a:noFill/>
-        </a:ln>
-        <a:effectLst/>
-      </dsp:spPr>
-      <dsp:style>
-        <a:lnRef idx="0">
-          <a:scrgbClr r="0" g="0" b="0"/>
-        </a:lnRef>
-        <a:fillRef idx="0">
-          <a:scrgbClr r="0" g="0" b="0"/>
-        </a:fillRef>
-        <a:effectRef idx="0">
-          <a:scrgbClr r="0" g="0" b="0"/>
-        </a:effectRef>
-        <a:fontRef idx="minor"/>
-      </dsp:style>
       <dsp:txBody>
-        <a:bodyPr spcFirstLastPara="0" vert="horz" wrap="square" lIns="138351" tIns="138351" rIns="138351" bIns="138351" numCol="1" spcCol="1270" anchor="ctr" anchorCtr="0">
+        <a:bodyPr spcFirstLastPara="0" vert="horz" wrap="square" lIns="49530" tIns="49530" rIns="49530" bIns="49530" numCol="1" spcCol="1270" anchor="ctr" anchorCtr="0">
           <a:noAutofit/>
         </a:bodyPr>
         <a:lstStyle/>
         <a:p>
-          <a:pPr marL="0" lvl="0" indent="0" algn="l" defTabSz="1066800">
+          <a:pPr marL="0" lvl="0" indent="0" algn="ctr" defTabSz="577850">
             <a:lnSpc>
-              <a:spcPct val="90000"/>
+              <a:spcPct val="100000"/>
             </a:lnSpc>
             <a:spcBef>
               <a:spcPct val="0"/>
@@ -2702,14 +2665,14 @@
             <a:buNone/>
           </a:pPr>
           <a:r>
-            <a:rPr lang="en-US" sz="2400" kern="1200"/>
+            <a:rPr lang="en-US" sz="1300" kern="1200"/>
             <a:t>Device: Use an array of Line stored in constant memory. The rest is same.</a:t>
           </a:r>
         </a:p>
       </dsp:txBody>
       <dsp:txXfrm>
-        <a:off x="1509882" y="2342169"/>
-        <a:ext cx="9005717" cy="1307257"/>
+        <a:off x="3168429" y="2256845"/>
+        <a:ext cx="2255979" cy="1400734"/>
       </dsp:txXfrm>
     </dsp:sp>
   </dsp:spTree>
@@ -2717,49 +2680,106 @@
 </file>
 
 <file path=ppt/diagrams/layout1.xml><?xml version="1.0" encoding="utf-8"?>
-<dgm:layoutDef xmlns:dgm="http://schemas.openxmlformats.org/drawingml/2006/diagram" xmlns:a="http://schemas.openxmlformats.org/drawingml/2006/main" uniqueId="urn:microsoft.com/office/officeart/2018/2/layout/IconVerticalSolidList">
-  <dgm:title val="Icon Vertical Solid List"/>
-  <dgm:desc val="Use to show a series of visuals from top to bottom with Level 1 or Level 1 and Level 2 text grouped in a shape. Works best with icons or small pictures with lengthier descriptions."/>
+<dgm:layoutDef xmlns:dgm="http://schemas.openxmlformats.org/drawingml/2006/diagram" xmlns:a="http://schemas.openxmlformats.org/drawingml/2006/main" uniqueId="urn:microsoft.com/office/officeart/2005/8/layout/hierarchy1">
+  <dgm:title val=""/>
+  <dgm:desc val=""/>
   <dgm:catLst>
-    <dgm:cat type="icon" pri="500"/>
+    <dgm:cat type="hierarchy" pri="2000"/>
   </dgm:catLst>
-  <dgm:sampData useDef="1">
+  <dgm:sampData>
     <dgm:dataModel>
-      <dgm:ptLst/>
+      <dgm:ptLst>
+        <dgm:pt modelId="0" type="doc"/>
+        <dgm:pt modelId="1">
+          <dgm:prSet phldr="1"/>
+        </dgm:pt>
+        <dgm:pt modelId="2">
+          <dgm:prSet phldr="1"/>
+        </dgm:pt>
+        <dgm:pt modelId="21">
+          <dgm:prSet phldr="1"/>
+        </dgm:pt>
+        <dgm:pt modelId="22">
+          <dgm:prSet phldr="1"/>
+        </dgm:pt>
+        <dgm:pt modelId="3">
+          <dgm:prSet phldr="1"/>
+        </dgm:pt>
+        <dgm:pt modelId="31">
+          <dgm:prSet phldr="1"/>
+        </dgm:pt>
+      </dgm:ptLst>
+      <dgm:cxnLst>
+        <dgm:cxn modelId="4" srcId="0" destId="1" srcOrd="0" destOrd="0"/>
+        <dgm:cxn modelId="5" srcId="1" destId="2" srcOrd="0" destOrd="0"/>
+        <dgm:cxn modelId="6" srcId="1" destId="3" srcOrd="1" destOrd="0"/>
+        <dgm:cxn modelId="23" srcId="2" destId="21" srcOrd="0" destOrd="0"/>
+        <dgm:cxn modelId="24" srcId="2" destId="22" srcOrd="1" destOrd="0"/>
+        <dgm:cxn modelId="33" srcId="3" destId="31" srcOrd="0" destOrd="0"/>
+      </dgm:cxnLst>
       <dgm:bg/>
       <dgm:whole/>
     </dgm:dataModel>
   </dgm:sampData>
-  <dgm:styleData useDef="1">
+  <dgm:styleData>
     <dgm:dataModel>
-      <dgm:ptLst/>
+      <dgm:ptLst>
+        <dgm:pt modelId="0" type="doc"/>
+        <dgm:pt modelId="1"/>
+        <dgm:pt modelId="11"/>
+        <dgm:pt modelId="12"/>
+      </dgm:ptLst>
+      <dgm:cxnLst>
+        <dgm:cxn modelId="2" srcId="0" destId="1" srcOrd="0" destOrd="0"/>
+        <dgm:cxn modelId="13" srcId="1" destId="11" srcOrd="0" destOrd="0"/>
+        <dgm:cxn modelId="14" srcId="1" destId="12" srcOrd="1" destOrd="0"/>
+      </dgm:cxnLst>
       <dgm:bg/>
       <dgm:whole/>
     </dgm:dataModel>
   </dgm:styleData>
-  <dgm:clrData useDef="1">
+  <dgm:clrData>
     <dgm:dataModel>
-      <dgm:ptLst/>
+      <dgm:ptLst>
+        <dgm:pt modelId="0" type="doc"/>
+        <dgm:pt modelId="1"/>
+        <dgm:pt modelId="2"/>
+        <dgm:pt modelId="21"/>
+        <dgm:pt modelId="211"/>
+        <dgm:pt modelId="3"/>
+        <dgm:pt modelId="31"/>
+        <dgm:pt modelId="311"/>
+      </dgm:ptLst>
+      <dgm:cxnLst>
+        <dgm:cxn modelId="4" srcId="0" destId="1" srcOrd="0" destOrd="0"/>
+        <dgm:cxn modelId="5" srcId="1" destId="2" srcOrd="0" destOrd="0"/>
+        <dgm:cxn modelId="6" srcId="1" destId="3" srcOrd="1" destOrd="0"/>
+        <dgm:cxn modelId="23" srcId="2" destId="21" srcOrd="0" destOrd="0"/>
+        <dgm:cxn modelId="24" srcId="21" destId="211" srcOrd="0" destOrd="0"/>
+        <dgm:cxn modelId="33" srcId="3" destId="31" srcOrd="0" destOrd="0"/>
+        <dgm:cxn modelId="34" srcId="31" destId="311" srcOrd="0" destOrd="0"/>
+      </dgm:cxnLst>
       <dgm:bg/>
       <dgm:whole/>
     </dgm:dataModel>
   </dgm:clrData>
-  <dgm:layoutNode name="root">
+  <dgm:layoutNode name="hierChild1">
     <dgm:varLst>
+      <dgm:chPref val="1"/>
       <dgm:dir/>
-      <dgm:resizeHandles val="exact"/>
+      <dgm:animOne val="branch"/>
+      <dgm:animLvl val="lvl"/>
+      <dgm:resizeHandles/>
     </dgm:varLst>
     <dgm:choose name="Name0">
-      <dgm:if name="Name1" axis="self" func="var" arg="dir" op="equ" val="norm">
-        <dgm:alg type="lin">
-          <dgm:param type="linDir" val="fromT"/>
-          <dgm:param type="nodeHorzAlign" val="l"/>
+      <dgm:if name="Name1" func="var" arg="dir" op="equ" val="norm">
+        <dgm:alg type="hierChild">
+          <dgm:param type="linDir" val="fromL"/>
         </dgm:alg>
       </dgm:if>
       <dgm:else name="Name2">
-        <dgm:alg type="lin">
-          <dgm:param type="linDir" val="fromT"/>
-          <dgm:param type="nodeHorzAlign" val="r"/>
+        <dgm:alg type="hierChild">
+          <dgm:param type="linDir" val="fromR"/>
         </dgm:alg>
       </dgm:else>
     </dgm:choose>
@@ -2767,255 +2787,467 @@
       <dgm:adjLst/>
     </dgm:shape>
     <dgm:presOf/>
-    <dgm:choose name="Name3">
-      <dgm:if name="Name4" axis="ch" ptType="node" func="cnt" op="lte" val="3">
-        <dgm:constrLst>
-          <dgm:constr type="h" for="ch" forName="compNode" refType="h" fact="0.3"/>
-          <dgm:constr type="w" for="ch" forName="compNode" refType="w"/>
-          <dgm:constr type="h" for="ch" forName="sibTrans" refType="h" refFor="ch" refForName="compNode" fact="0.25"/>
-          <dgm:constr type="primFontSz" for="des" forName="parTx" val="25"/>
-          <dgm:constr type="primFontSz" for="des" forName="desTx" refType="primFontSz" refFor="des" refForName="parTx" op="lte" fact="0.75"/>
-          <dgm:constr type="h" for="des" forName="compNode" op="equ"/>
-          <dgm:constr type="h" for="des" forName="bgRect" op="equ"/>
-          <dgm:constr type="h" for="des" forName="iconRect" op="equ"/>
-          <dgm:constr type="w" for="des" forName="iconRect" op="equ"/>
-          <dgm:constr type="h" for="des" forName="spaceRect" op="equ"/>
-          <dgm:constr type="h" for="des" forName="parTx" op="equ"/>
-          <dgm:constr type="h" for="des" forName="desTx" op="equ"/>
-        </dgm:constrLst>
-      </dgm:if>
-      <dgm:if name="Name5" axis="ch" ptType="node" func="cnt" op="lte" val="4">
-        <dgm:constrLst>
-          <dgm:constr type="h" for="ch" forName="compNode" refType="h" fact="0.3"/>
-          <dgm:constr type="w" for="ch" forName="compNode" refType="w"/>
-          <dgm:constr type="h" for="ch" forName="sibTrans" refType="h" refFor="ch" refForName="compNode" fact="0.25"/>
-          <dgm:constr type="primFontSz" for="des" forName="parTx" val="22"/>
-          <dgm:constr type="primFontSz" for="des" forName="desTx" refType="primFontSz" refFor="des" refForName="parTx" op="lte" fact="0.75"/>
-          <dgm:constr type="h" for="des" forName="compNode" op="equ"/>
-          <dgm:constr type="h" for="des" forName="bgRect" op="equ"/>
-          <dgm:constr type="h" for="des" forName="iconRect" op="equ"/>
-          <dgm:constr type="w" for="des" forName="iconRect" op="equ"/>
-          <dgm:constr type="h" for="des" forName="spaceRect" op="equ"/>
-          <dgm:constr type="h" for="des" forName="parTx" op="equ"/>
-          <dgm:constr type="h" for="des" forName="desTx" op="equ"/>
-        </dgm:constrLst>
-      </dgm:if>
-      <dgm:if name="Name6" axis="ch" ptType="node" func="cnt" op="lte" val="6">
-        <dgm:constrLst>
-          <dgm:constr type="h" for="ch" forName="compNode" refType="h" fact="0.3"/>
-          <dgm:constr type="w" for="ch" forName="compNode" refType="w"/>
-          <dgm:constr type="h" for="ch" forName="sibTrans" refType="h" refFor="ch" refForName="compNode" fact="0.25"/>
-          <dgm:constr type="primFontSz" for="des" forName="parTx" val="19"/>
-          <dgm:constr type="primFontSz" for="des" forName="desTx" refType="primFontSz" refFor="des" refForName="parTx" op="lte" fact="0.75"/>
-          <dgm:constr type="h" for="des" forName="compNode" op="equ"/>
-          <dgm:constr type="h" for="des" forName="bgRect" op="equ"/>
-          <dgm:constr type="h" for="des" forName="iconRect" op="equ"/>
-          <dgm:constr type="w" for="des" forName="iconRect" op="equ"/>
-          <dgm:constr type="h" for="des" forName="spaceRect" op="equ"/>
-          <dgm:constr type="h" for="des" forName="parTx" op="equ"/>
-          <dgm:constr type="h" for="des" forName="desTx" op="equ"/>
-        </dgm:constrLst>
-      </dgm:if>
-      <dgm:else name="Name7">
-        <dgm:constrLst>
-          <dgm:constr type="h" for="ch" forName="compNode" refType="h" fact="0.3"/>
-          <dgm:constr type="w" for="ch" forName="compNode" refType="w"/>
-          <dgm:constr type="h" for="ch" forName="sibTrans" refType="h" refFor="ch" refForName="compNode" fact="0.25"/>
-          <dgm:constr type="primFontSz" for="des" forName="parTx" val="16"/>
-          <dgm:constr type="primFontSz" for="des" forName="desTx" refType="primFontSz" refFor="des" refForName="parTx" op="lte" fact="0.75"/>
-          <dgm:constr type="h" for="des" forName="compNode" op="equ"/>
-          <dgm:constr type="h" for="des" forName="bgRect" op="equ"/>
-          <dgm:constr type="h" for="des" forName="iconRect" op="equ"/>
-          <dgm:constr type="w" for="des" forName="iconRect" op="equ"/>
-          <dgm:constr type="h" for="des" forName="spaceRect" op="equ"/>
-          <dgm:constr type="h" for="des" forName="parTx" op="equ"/>
-          <dgm:constr type="h" for="des" forName="desTx" op="equ"/>
-        </dgm:constrLst>
-      </dgm:else>
-    </dgm:choose>
-    <dgm:ruleLst>
-      <dgm:rule type="h" for="ch" forName="compNode" val="0" fact="NaN" max="NaN"/>
-    </dgm:ruleLst>
-    <dgm:forEach name="Name8" axis="ch" ptType="node">
-      <dgm:layoutNode name="compNode">
-        <dgm:alg type="composite"/>
-        <dgm:shape xmlns:r="http://schemas.openxmlformats.org/officeDocument/2006/relationships" r:blip="">
-          <dgm:adjLst/>
-        </dgm:shape>
-        <dgm:presOf axis="self"/>
-        <dgm:choose name="Name9">
-          <dgm:if name="Name10" axis="ch" ptType="node" func="cnt" op="gte" val="1">
-            <dgm:constrLst>
-              <dgm:constr type="w" for="ch" forName="bgRect" refType="w"/>
-              <dgm:constr type="h" for="ch" forName="bgRect" refType="h"/>
-              <dgm:constr type="l" for="ch" forName="bgRect"/>
-              <dgm:constr type="t" for="ch" forName="bgRect"/>
-              <dgm:constr type="h" for="ch" forName="iconRect" refType="h" fact="0.55"/>
-              <dgm:constr type="w" for="ch" forName="iconRect" refType="h" refFor="ch" refForName="iconRect"/>
-              <dgm:constr type="l" for="ch" forName="iconRect" refType="h" refFor="ch" refForName="iconRect" fact="0.55"/>
-              <dgm:constr type="ctrY" for="ch" forName="iconRect" refType="ctrY" refFor="ch" refForName="bgRect"/>
-              <dgm:constr type="w" for="ch" forName="spaceRect" refType="l" refFor="ch" refForName="iconRect"/>
-              <dgm:constr type="h" for="ch" forName="spaceRect" refType="h"/>
-              <dgm:constr type="l" for="ch" forName="spaceRect" refType="r" refFor="ch" refForName="iconRect"/>
-              <dgm:constr type="t" for="ch" forName="spaceRect"/>
-              <dgm:constr type="w" for="ch" forName="parTx" refType="w" fact="0.45"/>
-              <dgm:constr type="h" for="ch" forName="parTx" refType="h"/>
-              <dgm:constr type="l" for="ch" forName="parTx" refType="r" refFor="ch" refForName="spaceRect"/>
-              <dgm:constr type="t" for="ch" forName="parTx"/>
-              <dgm:constr type="h" for="ch" forName="desTx" refType="h"/>
-              <dgm:constr type="l" for="ch" forName="desTx" refType="r" refFor="ch" refForName="parTx"/>
-              <dgm:constr type="t" for="ch" forName="desTx"/>
-            </dgm:constrLst>
-          </dgm:if>
-          <dgm:else name="Name11">
-            <dgm:constrLst>
-              <dgm:constr type="w" for="ch" forName="bgRect" refType="w"/>
-              <dgm:constr type="h" for="ch" forName="bgRect" refType="h"/>
-              <dgm:constr type="l" for="ch" forName="bgRect"/>
-              <dgm:constr type="t" for="ch" forName="bgRect"/>
-              <dgm:constr type="h" for="ch" forName="iconRect" refType="h" fact="0.55"/>
-              <dgm:constr type="w" for="ch" forName="iconRect" refType="h" refFor="ch" refForName="iconRect"/>
-              <dgm:constr type="l" for="ch" forName="iconRect" refType="h" refFor="ch" refForName="iconRect" fact="0.55"/>
-              <dgm:constr type="ctrY" for="ch" forName="iconRect" refType="ctrY" refFor="ch" refForName="bgRect"/>
-              <dgm:constr type="w" for="ch" forName="spaceRect" refType="l" refFor="ch" refForName="iconRect"/>
-              <dgm:constr type="h" for="ch" forName="spaceRect" refType="h"/>
-              <dgm:constr type="l" for="ch" forName="spaceRect" refType="r" refFor="ch" refForName="iconRect"/>
-              <dgm:constr type="t" for="ch" forName="spaceRect"/>
-              <dgm:constr type="h" for="ch" forName="parTx" refType="h"/>
-              <dgm:constr type="l" for="ch" forName="parTx" refType="r" refFor="ch" refForName="spaceRect"/>
-              <dgm:constr type="t" for="ch" forName="parTx"/>
-            </dgm:constrLst>
-          </dgm:else>
-        </dgm:choose>
-        <dgm:ruleLst>
-          <dgm:rule type="h" val="INF" fact="NaN" max="NaN"/>
-        </dgm:ruleLst>
-        <dgm:layoutNode name="bgRect" styleLbl="bgShp">
-          <dgm:alg type="sp"/>
-          <dgm:shape xmlns:r="http://schemas.openxmlformats.org/officeDocument/2006/relationships" type="roundRect" r:blip="">
-            <dgm:adjLst>
-              <dgm:adj idx="1" val="0.1"/>
-            </dgm:adjLst>
-          </dgm:shape>
-          <dgm:presOf/>
-          <dgm:constrLst/>
-          <dgm:ruleLst/>
-        </dgm:layoutNode>
-        <dgm:layoutNode name="iconRect" styleLbl="node1">
-          <dgm:alg type="sp"/>
-          <dgm:shape xmlns:r="http://schemas.openxmlformats.org/officeDocument/2006/relationships" type="rect" r:blip="" blipPhldr="1">
-            <dgm:adjLst/>
-          </dgm:shape>
-          <dgm:presOf/>
-          <dgm:constrLst/>
-          <dgm:ruleLst/>
-        </dgm:layoutNode>
-        <dgm:layoutNode name="spaceRect">
-          <dgm:alg type="sp"/>
+    <dgm:constrLst>
+      <dgm:constr type="primFontSz" for="des" ptType="node" op="equ" val="65"/>
+      <dgm:constr type="w" for="des" forName="composite" refType="w"/>
+      <dgm:constr type="h" for="des" forName="composite" refType="w" refFor="des" refForName="composite" fact="0.667"/>
+      <dgm:constr type="w" for="des" forName="composite2" refType="w" refFor="des" refForName="composite"/>
+      <dgm:constr type="h" for="des" forName="composite2" refType="h" refFor="des" refForName="composite"/>
+      <dgm:constr type="w" for="des" forName="composite3" refType="w" refFor="des" refForName="composite"/>
+      <dgm:constr type="h" for="des" forName="composite3" refType="h" refFor="des" refForName="composite"/>
+      <dgm:constr type="w" for="des" forName="composite4" refType="w" refFor="des" refForName="composite"/>
+      <dgm:constr type="h" for="des" forName="composite4" refType="h" refFor="des" refForName="composite"/>
+      <dgm:constr type="w" for="des" forName="composite5" refType="w" refFor="des" refForName="composite"/>
+      <dgm:constr type="h" for="des" forName="composite5" refType="h" refFor="des" refForName="composite"/>
+      <dgm:constr type="sibSp" refType="w" refFor="des" refForName="composite" fact="0.1"/>
+      <dgm:constr type="sibSp" for="des" forName="hierChild2" refType="sibSp"/>
+      <dgm:constr type="sibSp" for="des" forName="hierChild3" refType="sibSp"/>
+      <dgm:constr type="sibSp" for="des" forName="hierChild4" refType="sibSp"/>
+      <dgm:constr type="sibSp" for="des" forName="hierChild5" refType="sibSp"/>
+      <dgm:constr type="sibSp" for="des" forName="hierChild6" refType="sibSp"/>
+      <dgm:constr type="sp" for="des" forName="hierRoot1" refType="h" refFor="des" refForName="composite" fact="0.25"/>
+      <dgm:constr type="sp" for="des" forName="hierRoot2" refType="sp" refFor="des" refForName="hierRoot1"/>
+      <dgm:constr type="sp" for="des" forName="hierRoot3" refType="sp" refFor="des" refForName="hierRoot1"/>
+      <dgm:constr type="sp" for="des" forName="hierRoot4" refType="sp" refFor="des" refForName="hierRoot1"/>
+      <dgm:constr type="sp" for="des" forName="hierRoot5" refType="sp" refFor="des" refForName="hierRoot1"/>
+    </dgm:constrLst>
+    <dgm:ruleLst/>
+    <dgm:forEach name="Name3" axis="ch">
+      <dgm:forEach name="Name4" axis="self" ptType="node">
+        <dgm:layoutNode name="hierRoot1">
+          <dgm:alg type="hierRoot"/>
           <dgm:shape xmlns:r="http://schemas.openxmlformats.org/officeDocument/2006/relationships" r:blip="">
             <dgm:adjLst/>
           </dgm:shape>
           <dgm:presOf/>
-          <dgm:constrLst/>
+          <dgm:constrLst>
+            <dgm:constr type="bendDist" for="des" ptType="parTrans" refType="sp" fact="0.5"/>
+          </dgm:constrLst>
           <dgm:ruleLst/>
-        </dgm:layoutNode>
-        <dgm:layoutNode name="parTx" styleLbl="revTx">
-          <dgm:varLst>
-            <dgm:chMax val="0"/>
-            <dgm:chPref val="0"/>
-          </dgm:varLst>
-          <dgm:alg type="tx">
-            <dgm:param type="txAnchorVert" val="mid"/>
-            <dgm:param type="parTxLTRAlign" val="l"/>
-            <dgm:param type="shpTxLTRAlignCh" val="l"/>
-            <dgm:param type="parTxRTLAlign" val="r"/>
-            <dgm:param type="shpTxRTLAlignCh" val="r"/>
-          </dgm:alg>
-          <dgm:shape xmlns:r="http://schemas.openxmlformats.org/officeDocument/2006/relationships" type="rect" r:blip="">
-            <dgm:adjLst/>
-          </dgm:shape>
-          <dgm:presOf axis="self" ptType="node"/>
-          <dgm:constrLst>
-            <dgm:constr type="lMarg" refType="h" fact="0.3"/>
-            <dgm:constr type="rMarg" refType="h" fact="0.3"/>
-            <dgm:constr type="tMarg" refType="h" fact="0.3"/>
-            <dgm:constr type="bMarg" refType="h" fact="0.3"/>
-          </dgm:constrLst>
-          <dgm:ruleLst>
-            <dgm:rule type="primFontSz" val="14" fact="NaN" max="NaN"/>
-            <dgm:rule type="h" val="INF" fact="NaN" max="NaN"/>
-          </dgm:ruleLst>
-        </dgm:layoutNode>
-        <dgm:choose name="Name12">
-          <dgm:if name="Name13" axis="ch" ptType="node" func="cnt" op="gte" val="1">
-            <dgm:layoutNode name="desTx" styleLbl="revTx">
-              <dgm:varLst/>
-              <dgm:alg type="tx">
-                <dgm:param type="txAnchorVertCh" val="mid"/>
-                <dgm:param type="parTxLTRAlign" val="l"/>
-                <dgm:param type="shpTxLTRAlignCh" val="l"/>
-                <dgm:param type="parTxRTLAlign" val="r"/>
-                <dgm:param type="shpTxRTLAlignCh" val="r"/>
-                <dgm:param type="stBulletLvl" val="0"/>
-              </dgm:alg>
-              <dgm:shape xmlns:r="http://schemas.openxmlformats.org/officeDocument/2006/relationships" type="rect" r:blip="">
-                <dgm:adjLst/>
+          <dgm:layoutNode name="composite">
+            <dgm:alg type="composite"/>
+            <dgm:shape xmlns:r="http://schemas.openxmlformats.org/officeDocument/2006/relationships" r:blip="">
+              <dgm:adjLst/>
+            </dgm:shape>
+            <dgm:presOf/>
+            <dgm:constrLst>
+              <dgm:constr type="w" for="ch" forName="background" refType="w" fact="0.9"/>
+              <dgm:constr type="h" for="ch" forName="background" refType="w" refFor="ch" refForName="background" fact="0.635"/>
+              <dgm:constr type="t" for="ch" forName="background"/>
+              <dgm:constr type="l" for="ch" forName="background"/>
+              <dgm:constr type="w" for="ch" forName="text" refType="w" fact="0.9"/>
+              <dgm:constr type="h" for="ch" forName="text" refType="w" refFor="ch" refForName="text" fact="0.635"/>
+              <dgm:constr type="t" for="ch" forName="text" refType="w" fact="0.095"/>
+              <dgm:constr type="l" for="ch" forName="text" refType="w" fact="0.1"/>
+            </dgm:constrLst>
+            <dgm:ruleLst/>
+            <dgm:layoutNode name="background" styleLbl="node0" moveWith="text">
+              <dgm:alg type="sp"/>
+              <dgm:shape xmlns:r="http://schemas.openxmlformats.org/officeDocument/2006/relationships" type="roundRect" r:blip="">
+                <dgm:adjLst>
+                  <dgm:adj idx="1" val="0.1"/>
+                </dgm:adjLst>
               </dgm:shape>
-              <dgm:presOf axis="des" ptType="node"/>
+              <dgm:presOf/>
+              <dgm:constrLst/>
+              <dgm:ruleLst/>
+            </dgm:layoutNode>
+            <dgm:layoutNode name="text" styleLbl="fgAcc0">
+              <dgm:varLst>
+                <dgm:chPref val="3"/>
+              </dgm:varLst>
+              <dgm:alg type="tx"/>
+              <dgm:shape xmlns:r="http://schemas.openxmlformats.org/officeDocument/2006/relationships" type="roundRect" r:blip="">
+                <dgm:adjLst>
+                  <dgm:adj idx="1" val="0.1"/>
+                </dgm:adjLst>
+              </dgm:shape>
+              <dgm:presOf axis="self"/>
               <dgm:constrLst>
-                <dgm:constr type="primFontSz" val="18"/>
-                <dgm:constr type="secFontSz" refType="primFontSz"/>
-                <dgm:constr type="lMarg" refType="h" fact="0.3"/>
-                <dgm:constr type="rMarg" refType="h" fact="0.3"/>
-                <dgm:constr type="tMarg" refType="h" fact="0.3"/>
-                <dgm:constr type="bMarg" refType="h" fact="0.3"/>
+                <dgm:constr type="tMarg" refType="primFontSz" fact="0.3"/>
+                <dgm:constr type="bMarg" refType="primFontSz" fact="0.3"/>
+                <dgm:constr type="lMarg" refType="primFontSz" fact="0.3"/>
+                <dgm:constr type="rMarg" refType="primFontSz" fact="0.3"/>
               </dgm:constrLst>
               <dgm:ruleLst>
-                <dgm:rule type="primFontSz" val="11" fact="NaN" max="NaN"/>
+                <dgm:rule type="primFontSz" val="5" fact="NaN" max="NaN"/>
               </dgm:ruleLst>
             </dgm:layoutNode>
-          </dgm:if>
-          <dgm:else name="Name14"/>
-        </dgm:choose>
-      </dgm:layoutNode>
-      <dgm:forEach name="Name15" axis="followSib" ptType="sibTrans" cnt="1">
-        <dgm:layoutNode name="sibTrans">
-          <dgm:alg type="sp"/>
-          <dgm:shape xmlns:r="http://schemas.openxmlformats.org/officeDocument/2006/relationships" r:blip="">
-            <dgm:adjLst/>
-          </dgm:shape>
-          <dgm:presOf axis="self"/>
-          <dgm:constrLst/>
-          <dgm:ruleLst/>
+          </dgm:layoutNode>
+          <dgm:layoutNode name="hierChild2">
+            <dgm:choose name="Name5">
+              <dgm:if name="Name6" func="var" arg="dir" op="equ" val="norm">
+                <dgm:alg type="hierChild">
+                  <dgm:param type="linDir" val="fromL"/>
+                </dgm:alg>
+              </dgm:if>
+              <dgm:else name="Name7">
+                <dgm:alg type="hierChild">
+                  <dgm:param type="linDir" val="fromR"/>
+                </dgm:alg>
+              </dgm:else>
+            </dgm:choose>
+            <dgm:shape xmlns:r="http://schemas.openxmlformats.org/officeDocument/2006/relationships" r:blip="">
+              <dgm:adjLst/>
+            </dgm:shape>
+            <dgm:presOf/>
+            <dgm:constrLst/>
+            <dgm:ruleLst/>
+            <dgm:forEach name="Name8" axis="ch">
+              <dgm:forEach name="Name9" axis="self" ptType="parTrans" cnt="1">
+                <dgm:layoutNode name="Name10">
+                  <dgm:alg type="conn">
+                    <dgm:param type="dim" val="1D"/>
+                    <dgm:param type="endSty" val="noArr"/>
+                    <dgm:param type="connRout" val="bend"/>
+                    <dgm:param type="bendPt" val="end"/>
+                    <dgm:param type="begPts" val="bCtr"/>
+                    <dgm:param type="endPts" val="tCtr"/>
+                    <dgm:param type="srcNode" val="background"/>
+                    <dgm:param type="dstNode" val="background2"/>
+                  </dgm:alg>
+                  <dgm:shape xmlns:r="http://schemas.openxmlformats.org/officeDocument/2006/relationships" type="conn" r:blip="" zOrderOff="-999">
+                    <dgm:adjLst/>
+                  </dgm:shape>
+                  <dgm:presOf axis="self"/>
+                  <dgm:constrLst>
+                    <dgm:constr type="begPad"/>
+                    <dgm:constr type="endPad"/>
+                  </dgm:constrLst>
+                  <dgm:ruleLst/>
+                </dgm:layoutNode>
+              </dgm:forEach>
+              <dgm:forEach name="Name11" axis="self" ptType="node">
+                <dgm:layoutNode name="hierRoot2">
+                  <dgm:alg type="hierRoot"/>
+                  <dgm:shape xmlns:r="http://schemas.openxmlformats.org/officeDocument/2006/relationships" r:blip="">
+                    <dgm:adjLst/>
+                  </dgm:shape>
+                  <dgm:presOf/>
+                  <dgm:constrLst>
+                    <dgm:constr type="bendDist" for="des" ptType="parTrans" refType="sp" fact="0.5"/>
+                  </dgm:constrLst>
+                  <dgm:ruleLst/>
+                  <dgm:layoutNode name="composite2">
+                    <dgm:alg type="composite"/>
+                    <dgm:shape xmlns:r="http://schemas.openxmlformats.org/officeDocument/2006/relationships" r:blip="">
+                      <dgm:adjLst/>
+                    </dgm:shape>
+                    <dgm:presOf/>
+                    <dgm:constrLst>
+                      <dgm:constr type="w" for="ch" forName="background2" refType="w" fact="0.9"/>
+                      <dgm:constr type="h" for="ch" forName="background2" refType="w" refFor="ch" refForName="background2" fact="0.635"/>
+                      <dgm:constr type="t" for="ch" forName="background2"/>
+                      <dgm:constr type="l" for="ch" forName="background2"/>
+                      <dgm:constr type="w" for="ch" forName="text2" refType="w" fact="0.9"/>
+                      <dgm:constr type="h" for="ch" forName="text2" refType="w" refFor="ch" refForName="text2" fact="0.635"/>
+                      <dgm:constr type="t" for="ch" forName="text2" refType="w" fact="0.095"/>
+                      <dgm:constr type="l" for="ch" forName="text2" refType="w" fact="0.1"/>
+                    </dgm:constrLst>
+                    <dgm:ruleLst/>
+                    <dgm:layoutNode name="background2" moveWith="text2">
+                      <dgm:alg type="sp"/>
+                      <dgm:shape xmlns:r="http://schemas.openxmlformats.org/officeDocument/2006/relationships" type="roundRect" r:blip="">
+                        <dgm:adjLst>
+                          <dgm:adj idx="1" val="0.1"/>
+                        </dgm:adjLst>
+                      </dgm:shape>
+                      <dgm:presOf/>
+                      <dgm:constrLst/>
+                      <dgm:ruleLst/>
+                    </dgm:layoutNode>
+                    <dgm:layoutNode name="text2" styleLbl="fgAcc2">
+                      <dgm:varLst>
+                        <dgm:chPref val="3"/>
+                      </dgm:varLst>
+                      <dgm:alg type="tx"/>
+                      <dgm:shape xmlns:r="http://schemas.openxmlformats.org/officeDocument/2006/relationships" type="roundRect" r:blip="">
+                        <dgm:adjLst>
+                          <dgm:adj idx="1" val="0.1"/>
+                        </dgm:adjLst>
+                      </dgm:shape>
+                      <dgm:presOf axis="self"/>
+                      <dgm:constrLst>
+                        <dgm:constr type="tMarg" refType="primFontSz" fact="0.3"/>
+                        <dgm:constr type="bMarg" refType="primFontSz" fact="0.3"/>
+                        <dgm:constr type="lMarg" refType="primFontSz" fact="0.3"/>
+                        <dgm:constr type="rMarg" refType="primFontSz" fact="0.3"/>
+                      </dgm:constrLst>
+                      <dgm:ruleLst>
+                        <dgm:rule type="primFontSz" val="5" fact="NaN" max="NaN"/>
+                      </dgm:ruleLst>
+                    </dgm:layoutNode>
+                  </dgm:layoutNode>
+                  <dgm:layoutNode name="hierChild3">
+                    <dgm:choose name="Name12">
+                      <dgm:if name="Name13" func="var" arg="dir" op="equ" val="norm">
+                        <dgm:alg type="hierChild">
+                          <dgm:param type="linDir" val="fromL"/>
+                        </dgm:alg>
+                      </dgm:if>
+                      <dgm:else name="Name14">
+                        <dgm:alg type="hierChild">
+                          <dgm:param type="linDir" val="fromR"/>
+                        </dgm:alg>
+                      </dgm:else>
+                    </dgm:choose>
+                    <dgm:shape xmlns:r="http://schemas.openxmlformats.org/officeDocument/2006/relationships" r:blip="">
+                      <dgm:adjLst/>
+                    </dgm:shape>
+                    <dgm:presOf/>
+                    <dgm:constrLst/>
+                    <dgm:ruleLst/>
+                    <dgm:forEach name="Name15" axis="ch">
+                      <dgm:forEach name="Name16" axis="self" ptType="parTrans" cnt="1">
+                        <dgm:layoutNode name="Name17">
+                          <dgm:alg type="conn">
+                            <dgm:param type="dim" val="1D"/>
+                            <dgm:param type="endSty" val="noArr"/>
+                            <dgm:param type="connRout" val="bend"/>
+                            <dgm:param type="bendPt" val="end"/>
+                            <dgm:param type="begPts" val="bCtr"/>
+                            <dgm:param type="endPts" val="tCtr"/>
+                            <dgm:param type="srcNode" val="background2"/>
+                            <dgm:param type="dstNode" val="background3"/>
+                          </dgm:alg>
+                          <dgm:shape xmlns:r="http://schemas.openxmlformats.org/officeDocument/2006/relationships" type="conn" r:blip="" zOrderOff="-999">
+                            <dgm:adjLst/>
+                          </dgm:shape>
+                          <dgm:presOf axis="self"/>
+                          <dgm:constrLst>
+                            <dgm:constr type="begPad"/>
+                            <dgm:constr type="endPad"/>
+                          </dgm:constrLst>
+                          <dgm:ruleLst/>
+                        </dgm:layoutNode>
+                      </dgm:forEach>
+                      <dgm:forEach name="Name18" axis="self" ptType="node">
+                        <dgm:layoutNode name="hierRoot3">
+                          <dgm:alg type="hierRoot"/>
+                          <dgm:shape xmlns:r="http://schemas.openxmlformats.org/officeDocument/2006/relationships" r:blip="">
+                            <dgm:adjLst/>
+                          </dgm:shape>
+                          <dgm:presOf/>
+                          <dgm:constrLst>
+                            <dgm:constr type="bendDist" for="des" ptType="parTrans" refType="sp" fact="0.5"/>
+                          </dgm:constrLst>
+                          <dgm:ruleLst/>
+                          <dgm:layoutNode name="composite3">
+                            <dgm:alg type="composite"/>
+                            <dgm:shape xmlns:r="http://schemas.openxmlformats.org/officeDocument/2006/relationships" r:blip="">
+                              <dgm:adjLst/>
+                            </dgm:shape>
+                            <dgm:presOf/>
+                            <dgm:constrLst>
+                              <dgm:constr type="w" for="ch" forName="background3" refType="w" fact="0.9"/>
+                              <dgm:constr type="h" for="ch" forName="background3" refType="w" refFor="ch" refForName="background3" fact="0.635"/>
+                              <dgm:constr type="t" for="ch" forName="background3"/>
+                              <dgm:constr type="l" for="ch" forName="background3"/>
+                              <dgm:constr type="w" for="ch" forName="text3" refType="w" fact="0.9"/>
+                              <dgm:constr type="h" for="ch" forName="text3" refType="w" refFor="ch" refForName="text3" fact="0.635"/>
+                              <dgm:constr type="t" for="ch" forName="text3" refType="w" fact="0.095"/>
+                              <dgm:constr type="l" for="ch" forName="text3" refType="w" fact="0.1"/>
+                            </dgm:constrLst>
+                            <dgm:ruleLst/>
+                            <dgm:layoutNode name="background3" moveWith="text3">
+                              <dgm:alg type="sp"/>
+                              <dgm:shape xmlns:r="http://schemas.openxmlformats.org/officeDocument/2006/relationships" type="roundRect" r:blip="">
+                                <dgm:adjLst>
+                                  <dgm:adj idx="1" val="0.1"/>
+                                </dgm:adjLst>
+                              </dgm:shape>
+                              <dgm:presOf/>
+                              <dgm:constrLst/>
+                              <dgm:ruleLst/>
+                            </dgm:layoutNode>
+                            <dgm:layoutNode name="text3" styleLbl="fgAcc3">
+                              <dgm:varLst>
+                                <dgm:chPref val="3"/>
+                              </dgm:varLst>
+                              <dgm:alg type="tx"/>
+                              <dgm:shape xmlns:r="http://schemas.openxmlformats.org/officeDocument/2006/relationships" type="roundRect" r:blip="">
+                                <dgm:adjLst>
+                                  <dgm:adj idx="1" val="0.1"/>
+                                </dgm:adjLst>
+                              </dgm:shape>
+                              <dgm:presOf axis="self"/>
+                              <dgm:constrLst>
+                                <dgm:constr type="tMarg" refType="primFontSz" fact="0.3"/>
+                                <dgm:constr type="bMarg" refType="primFontSz" fact="0.3"/>
+                                <dgm:constr type="lMarg" refType="primFontSz" fact="0.3"/>
+                                <dgm:constr type="rMarg" refType="primFontSz" fact="0.3"/>
+                              </dgm:constrLst>
+                              <dgm:ruleLst>
+                                <dgm:rule type="primFontSz" val="5" fact="NaN" max="NaN"/>
+                              </dgm:ruleLst>
+                            </dgm:layoutNode>
+                          </dgm:layoutNode>
+                          <dgm:layoutNode name="hierChild4">
+                            <dgm:choose name="Name19">
+                              <dgm:if name="Name20" func="var" arg="dir" op="equ" val="norm">
+                                <dgm:alg type="hierChild">
+                                  <dgm:param type="linDir" val="fromL"/>
+                                </dgm:alg>
+                              </dgm:if>
+                              <dgm:else name="Name21">
+                                <dgm:alg type="hierChild">
+                                  <dgm:param type="linDir" val="fromR"/>
+                                </dgm:alg>
+                              </dgm:else>
+                            </dgm:choose>
+                            <dgm:shape xmlns:r="http://schemas.openxmlformats.org/officeDocument/2006/relationships" r:blip="">
+                              <dgm:adjLst/>
+                            </dgm:shape>
+                            <dgm:presOf/>
+                            <dgm:constrLst/>
+                            <dgm:ruleLst/>
+                            <dgm:forEach name="repeat" axis="ch">
+                              <dgm:forEach name="Name22" axis="self" ptType="parTrans" cnt="1">
+                                <dgm:layoutNode name="Name23">
+                                  <dgm:choose name="Name24">
+                                    <dgm:if name="Name25" axis="self" func="depth" op="lte" val="4">
+                                      <dgm:alg type="conn">
+                                        <dgm:param type="dim" val="1D"/>
+                                        <dgm:param type="endSty" val="noArr"/>
+                                        <dgm:param type="connRout" val="bend"/>
+                                        <dgm:param type="bendPt" val="end"/>
+                                        <dgm:param type="begPts" val="bCtr"/>
+                                        <dgm:param type="endPts" val="tCtr"/>
+                                        <dgm:param type="srcNode" val="background3"/>
+                                        <dgm:param type="dstNode" val="background4"/>
+                                      </dgm:alg>
+                                    </dgm:if>
+                                    <dgm:else name="Name26">
+                                      <dgm:alg type="conn">
+                                        <dgm:param type="dim" val="1D"/>
+                                        <dgm:param type="endSty" val="noArr"/>
+                                        <dgm:param type="connRout" val="bend"/>
+                                        <dgm:param type="bendPt" val="end"/>
+                                        <dgm:param type="begPts" val="bCtr"/>
+                                        <dgm:param type="endPts" val="tCtr"/>
+                                        <dgm:param type="srcNode" val="background4"/>
+                                        <dgm:param type="dstNode" val="background4"/>
+                                      </dgm:alg>
+                                    </dgm:else>
+                                  </dgm:choose>
+                                  <dgm:shape xmlns:r="http://schemas.openxmlformats.org/officeDocument/2006/relationships" type="conn" r:blip="" zOrderOff="-999">
+                                    <dgm:adjLst/>
+                                  </dgm:shape>
+                                  <dgm:presOf axis="self"/>
+                                  <dgm:constrLst>
+                                    <dgm:constr type="begPad"/>
+                                    <dgm:constr type="endPad"/>
+                                  </dgm:constrLst>
+                                  <dgm:ruleLst/>
+                                </dgm:layoutNode>
+                              </dgm:forEach>
+                              <dgm:forEach name="Name27" axis="self" ptType="node">
+                                <dgm:layoutNode name="hierRoot4">
+                                  <dgm:alg type="hierRoot"/>
+                                  <dgm:shape xmlns:r="http://schemas.openxmlformats.org/officeDocument/2006/relationships" r:blip="">
+                                    <dgm:adjLst/>
+                                  </dgm:shape>
+                                  <dgm:presOf/>
+                                  <dgm:constrLst>
+                                    <dgm:constr type="bendDist" for="des" ptType="parTrans" refType="sp" fact="0.5"/>
+                                  </dgm:constrLst>
+                                  <dgm:ruleLst/>
+                                  <dgm:layoutNode name="composite4">
+                                    <dgm:alg type="composite"/>
+                                    <dgm:shape xmlns:r="http://schemas.openxmlformats.org/officeDocument/2006/relationships" r:blip="">
+                                      <dgm:adjLst/>
+                                    </dgm:shape>
+                                    <dgm:presOf/>
+                                    <dgm:constrLst>
+                                      <dgm:constr type="w" for="ch" forName="background4" refType="w" fact="0.9"/>
+                                      <dgm:constr type="h" for="ch" forName="background4" refType="w" refFor="ch" refForName="background4" fact="0.635"/>
+                                      <dgm:constr type="t" for="ch" forName="background4"/>
+                                      <dgm:constr type="l" for="ch" forName="background4"/>
+                                      <dgm:constr type="w" for="ch" forName="text4" refType="w" fact="0.9"/>
+                                      <dgm:constr type="h" for="ch" forName="text4" refType="w" refFor="ch" refForName="text4" fact="0.635"/>
+                                      <dgm:constr type="t" for="ch" forName="text4" refType="w" fact="0.095"/>
+                                      <dgm:constr type="l" for="ch" forName="text4" refType="w" fact="0.1"/>
+                                    </dgm:constrLst>
+                                    <dgm:ruleLst/>
+                                    <dgm:layoutNode name="background4" moveWith="text4">
+                                      <dgm:alg type="sp"/>
+                                      <dgm:shape xmlns:r="http://schemas.openxmlformats.org/officeDocument/2006/relationships" type="roundRect" r:blip="">
+                                        <dgm:adjLst>
+                                          <dgm:adj idx="1" val="0.1"/>
+                                        </dgm:adjLst>
+                                      </dgm:shape>
+                                      <dgm:presOf/>
+                                      <dgm:constrLst/>
+                                      <dgm:ruleLst/>
+                                    </dgm:layoutNode>
+                                    <dgm:layoutNode name="text4" styleLbl="fgAcc4">
+                                      <dgm:varLst>
+                                        <dgm:chPref val="3"/>
+                                      </dgm:varLst>
+                                      <dgm:alg type="tx"/>
+                                      <dgm:shape xmlns:r="http://schemas.openxmlformats.org/officeDocument/2006/relationships" type="roundRect" r:blip="">
+                                        <dgm:adjLst>
+                                          <dgm:adj idx="1" val="0.1"/>
+                                        </dgm:adjLst>
+                                      </dgm:shape>
+                                      <dgm:presOf axis="self"/>
+                                      <dgm:constrLst>
+                                        <dgm:constr type="tMarg" refType="primFontSz" fact="0.3"/>
+                                        <dgm:constr type="bMarg" refType="primFontSz" fact="0.3"/>
+                                        <dgm:constr type="lMarg" refType="primFontSz" fact="0.3"/>
+                                        <dgm:constr type="rMarg" refType="primFontSz" fact="0.3"/>
+                                      </dgm:constrLst>
+                                      <dgm:ruleLst>
+                                        <dgm:rule type="primFontSz" val="5" fact="NaN" max="NaN"/>
+                                      </dgm:ruleLst>
+                                    </dgm:layoutNode>
+                                  </dgm:layoutNode>
+                                  <dgm:layoutNode name="hierChild5">
+                                    <dgm:choose name="Name28">
+                                      <dgm:if name="Name29" func="var" arg="dir" op="equ" val="norm">
+                                        <dgm:alg type="hierChild">
+                                          <dgm:param type="linDir" val="fromL"/>
+                                        </dgm:alg>
+                                      </dgm:if>
+                                      <dgm:else name="Name30">
+                                        <dgm:alg type="hierChild">
+                                          <dgm:param type="linDir" val="fromR"/>
+                                        </dgm:alg>
+                                      </dgm:else>
+                                    </dgm:choose>
+                                    <dgm:shape xmlns:r="http://schemas.openxmlformats.org/officeDocument/2006/relationships" r:blip="">
+                                      <dgm:adjLst/>
+                                    </dgm:shape>
+                                    <dgm:presOf/>
+                                    <dgm:constrLst/>
+                                    <dgm:ruleLst/>
+                                    <dgm:forEach name="Name31" ref="repeat"/>
+                                  </dgm:layoutNode>
+                                </dgm:layoutNode>
+                              </dgm:forEach>
+                            </dgm:forEach>
+                          </dgm:layoutNode>
+                        </dgm:layoutNode>
+                      </dgm:forEach>
+                    </dgm:forEach>
+                  </dgm:layoutNode>
+                </dgm:layoutNode>
+              </dgm:forEach>
+            </dgm:forEach>
+          </dgm:layoutNode>
         </dgm:layoutNode>
       </dgm:forEach>
     </dgm:forEach>
   </dgm:layoutNode>
-  <dgm:extLst>
-    <a:ext uri="{68A01E43-0DF5-4B5B-8FA6-DAF915123BFB}">
-      <dgm1612:lstStyle xmlns:dgm1612="http://schemas.microsoft.com/office/drawing/2016/12/diagram">
-        <a:lvl1pPr>
-          <a:lnSpc>
-            <a:spcPct val="100000"/>
-          </a:lnSpc>
-        </a:lvl1pPr>
-        <a:lvl2pPr>
-          <a:lnSpc>
-            <a:spcPct val="100000"/>
-          </a:lnSpc>
-        </a:lvl2pPr>
-      </dgm1612:lstStyle>
-    </a:ext>
-  </dgm:extLst>
 </dgm:layoutDef>
 </file>
 
 <file path=ppt/diagrams/quickStyle1.xml><?xml version="1.0" encoding="utf-8"?>
-<dgm:styleDef xmlns:dgm="http://schemas.openxmlformats.org/drawingml/2006/diagram" xmlns:a="http://schemas.openxmlformats.org/drawingml/2006/main" uniqueId="urn:microsoft.com/office/officeart/2005/8/quickstyle/simple1">
+<dgm:styleDef xmlns:dgm="http://schemas.openxmlformats.org/drawingml/2006/diagram" xmlns:a="http://schemas.openxmlformats.org/drawingml/2006/main" uniqueId="urn:microsoft.com/office/officeart/2005/8/quickstyle/simple4">
   <dgm:title val=""/>
   <dgm:desc val=""/>
   <dgm:catLst>
-    <dgm:cat type="simple" pri="10100"/>
+    <dgm:cat type="simple" pri="10400"/>
   </dgm:catLst>
   <dgm:scene3d>
     <a:camera prst="orthographicFront"/>
@@ -3029,13 +3261,13 @@
     <dgm:sp3d/>
     <dgm:txPr/>
     <dgm:style>
-      <a:lnRef idx="2">
+      <a:lnRef idx="0">
         <a:scrgbClr r="0" g="0" b="0"/>
       </a:lnRef>
-      <a:fillRef idx="1">
+      <a:fillRef idx="3">
         <a:scrgbClr r="0" g="0" b="0"/>
       </a:fillRef>
-      <a:effectRef idx="0">
+      <a:effectRef idx="2">
         <a:scrgbClr r="0" g="0" b="0"/>
       </a:effectRef>
       <a:fontRef idx="minor">
@@ -3051,13 +3283,13 @@
     <dgm:sp3d/>
     <dgm:txPr/>
     <dgm:style>
-      <a:lnRef idx="2">
+      <a:lnRef idx="1">
         <a:scrgbClr r="0" g="0" b="0"/>
       </a:lnRef>
-      <a:fillRef idx="1">
+      <a:fillRef idx="3">
         <a:scrgbClr r="0" g="0" b="0"/>
       </a:fillRef>
-      <a:effectRef idx="0">
+      <a:effectRef idx="2">
         <a:scrgbClr r="0" g="0" b="0"/>
       </a:effectRef>
       <a:fontRef idx="minor">
@@ -3073,10 +3305,10 @@
     <dgm:sp3d/>
     <dgm:txPr/>
     <dgm:style>
-      <a:lnRef idx="2">
+      <a:lnRef idx="0">
         <a:scrgbClr r="0" g="0" b="0"/>
       </a:lnRef>
-      <a:fillRef idx="1">
+      <a:fillRef idx="3">
         <a:scrgbClr r="0" g="0" b="0"/>
       </a:fillRef>
       <a:effectRef idx="0">
@@ -3095,13 +3327,13 @@
     <dgm:sp3d/>
     <dgm:txPr/>
     <dgm:style>
-      <a:lnRef idx="2">
+      <a:lnRef idx="1">
         <a:scrgbClr r="0" g="0" b="0"/>
       </a:lnRef>
-      <a:fillRef idx="1">
+      <a:fillRef idx="3">
         <a:scrgbClr r="0" g="0" b="0"/>
       </a:fillRef>
-      <a:effectRef idx="0">
+      <a:effectRef idx="2">
         <a:scrgbClr r="0" g="0" b="0"/>
       </a:effectRef>
       <a:fontRef idx="minor">
@@ -3117,13 +3349,13 @@
     <dgm:sp3d/>
     <dgm:txPr/>
     <dgm:style>
-      <a:lnRef idx="2">
+      <a:lnRef idx="0">
         <a:scrgbClr r="0" g="0" b="0"/>
       </a:lnRef>
-      <a:fillRef idx="1">
+      <a:fillRef idx="3">
         <a:scrgbClr r="0" g="0" b="0"/>
       </a:fillRef>
-      <a:effectRef idx="0">
+      <a:effectRef idx="2">
         <a:scrgbClr r="0" g="0" b="0"/>
       </a:effectRef>
       <a:fontRef idx="minor">
@@ -3139,13 +3371,13 @@
     <dgm:sp3d/>
     <dgm:txPr/>
     <dgm:style>
-      <a:lnRef idx="2">
+      <a:lnRef idx="0">
         <a:scrgbClr r="0" g="0" b="0"/>
       </a:lnRef>
-      <a:fillRef idx="1">
+      <a:fillRef idx="3">
         <a:scrgbClr r="0" g="0" b="0"/>
       </a:fillRef>
-      <a:effectRef idx="0">
+      <a:effectRef idx="2">
         <a:scrgbClr r="0" g="0" b="0"/>
       </a:effectRef>
       <a:fontRef idx="minor">
@@ -3161,13 +3393,13 @@
     <dgm:sp3d/>
     <dgm:txPr/>
     <dgm:style>
-      <a:lnRef idx="2">
+      <a:lnRef idx="0">
         <a:scrgbClr r="0" g="0" b="0"/>
       </a:lnRef>
-      <a:fillRef idx="1">
+      <a:fillRef idx="3">
         <a:scrgbClr r="0" g="0" b="0"/>
       </a:fillRef>
-      <a:effectRef idx="0">
+      <a:effectRef idx="2">
         <a:scrgbClr r="0" g="0" b="0"/>
       </a:effectRef>
       <a:fontRef idx="minor">
@@ -3183,13 +3415,13 @@
     <dgm:sp3d/>
     <dgm:txPr/>
     <dgm:style>
-      <a:lnRef idx="2">
+      <a:lnRef idx="0">
         <a:scrgbClr r="0" g="0" b="0"/>
       </a:lnRef>
-      <a:fillRef idx="1">
+      <a:fillRef idx="3">
         <a:scrgbClr r="0" g="0" b="0"/>
       </a:fillRef>
-      <a:effectRef idx="0">
+      <a:effectRef idx="2">
         <a:scrgbClr r="0" g="0" b="0"/>
       </a:effectRef>
       <a:fontRef idx="minor">
@@ -3205,13 +3437,13 @@
     <dgm:sp3d/>
     <dgm:txPr/>
     <dgm:style>
-      <a:lnRef idx="2">
+      <a:lnRef idx="0">
         <a:scrgbClr r="0" g="0" b="0"/>
       </a:lnRef>
       <a:fillRef idx="1">
         <a:scrgbClr r="0" g="0" b="0"/>
       </a:fillRef>
-      <a:effectRef idx="0">
+      <a:effectRef idx="2">
         <a:scrgbClr r="0" g="0" b="0"/>
       </a:effectRef>
       <a:fontRef idx="minor"/>
@@ -3225,13 +3457,13 @@
     <dgm:sp3d/>
     <dgm:txPr/>
     <dgm:style>
-      <a:lnRef idx="2">
+      <a:lnRef idx="0">
         <a:scrgbClr r="0" g="0" b="0"/>
       </a:lnRef>
       <a:fillRef idx="1">
         <a:scrgbClr r="0" g="0" b="0"/>
       </a:fillRef>
-      <a:effectRef idx="0">
+      <a:effectRef idx="2">
         <a:scrgbClr r="0" g="0" b="0"/>
       </a:effectRef>
       <a:fontRef idx="minor"/>
@@ -3245,13 +3477,13 @@
     <dgm:sp3d/>
     <dgm:txPr/>
     <dgm:style>
-      <a:lnRef idx="2">
+      <a:lnRef idx="0">
         <a:scrgbClr r="0" g="0" b="0"/>
       </a:lnRef>
       <a:fillRef idx="1">
         <a:scrgbClr r="0" g="0" b="0"/>
       </a:fillRef>
-      <a:effectRef idx="0">
+      <a:effectRef idx="2">
         <a:scrgbClr r="0" g="0" b="0"/>
       </a:effectRef>
       <a:fontRef idx="minor"/>
@@ -3268,10 +3500,10 @@
       <a:lnRef idx="0">
         <a:scrgbClr r="0" g="0" b="0"/>
       </a:lnRef>
-      <a:fillRef idx="1">
+      <a:fillRef idx="3">
         <a:scrgbClr r="0" g="0" b="0"/>
       </a:fillRef>
-      <a:effectRef idx="0">
+      <a:effectRef idx="2">
         <a:scrgbClr r="0" g="0" b="0"/>
       </a:effectRef>
       <a:fontRef idx="minor">
@@ -3290,10 +3522,10 @@
       <a:lnRef idx="0">
         <a:scrgbClr r="0" g="0" b="0"/>
       </a:lnRef>
-      <a:fillRef idx="1">
+      <a:fillRef idx="3">
         <a:scrgbClr r="0" g="0" b="0"/>
       </a:fillRef>
-      <a:effectRef idx="0">
+      <a:effectRef idx="2">
         <a:scrgbClr r="0" g="0" b="0"/>
       </a:effectRef>
       <a:fontRef idx="minor">
@@ -3312,10 +3544,10 @@
       <a:lnRef idx="0">
         <a:scrgbClr r="0" g="0" b="0"/>
       </a:lnRef>
-      <a:fillRef idx="1">
+      <a:fillRef idx="3">
         <a:scrgbClr r="0" g="0" b="0"/>
       </a:fillRef>
-      <a:effectRef idx="0">
+      <a:effectRef idx="2">
         <a:scrgbClr r="0" g="0" b="0"/>
       </a:effectRef>
       <a:fontRef idx="minor">
@@ -3357,7 +3589,7 @@
       <a:fillRef idx="1">
         <a:scrgbClr r="0" g="0" b="0"/>
       </a:fillRef>
-      <a:effectRef idx="0">
+      <a:effectRef idx="1">
         <a:scrgbClr r="0" g="0" b="0"/>
       </a:effectRef>
       <a:fontRef idx="minor"/>
@@ -3371,13 +3603,13 @@
     <dgm:sp3d/>
     <dgm:txPr/>
     <dgm:style>
-      <a:lnRef idx="2">
+      <a:lnRef idx="0">
         <a:scrgbClr r="0" g="0" b="0"/>
       </a:lnRef>
-      <a:fillRef idx="1">
+      <a:fillRef idx="3">
         <a:scrgbClr r="0" g="0" b="0"/>
       </a:fillRef>
-      <a:effectRef idx="0">
+      <a:effectRef idx="2">
         <a:scrgbClr r="0" g="0" b="0"/>
       </a:effectRef>
       <a:fontRef idx="minor">
@@ -3393,13 +3625,13 @@
     <dgm:sp3d/>
     <dgm:txPr/>
     <dgm:style>
-      <a:lnRef idx="2">
+      <a:lnRef idx="0">
         <a:scrgbClr r="0" g="0" b="0"/>
       </a:lnRef>
-      <a:fillRef idx="1">
+      <a:fillRef idx="3">
         <a:scrgbClr r="0" g="0" b="0"/>
       </a:fillRef>
-      <a:effectRef idx="0">
+      <a:effectRef idx="2">
         <a:scrgbClr r="0" g="0" b="0"/>
       </a:effectRef>
       <a:fontRef idx="minor">
@@ -3415,13 +3647,13 @@
     <dgm:sp3d/>
     <dgm:txPr/>
     <dgm:style>
-      <a:lnRef idx="2">
+      <a:lnRef idx="0">
         <a:scrgbClr r="0" g="0" b="0"/>
       </a:lnRef>
-      <a:fillRef idx="1">
+      <a:fillRef idx="3">
         <a:scrgbClr r="0" g="0" b="0"/>
       </a:fillRef>
-      <a:effectRef idx="0">
+      <a:effectRef idx="2">
         <a:scrgbClr r="0" g="0" b="0"/>
       </a:effectRef>
       <a:fontRef idx="minor">
@@ -3437,13 +3669,13 @@
     <dgm:sp3d/>
     <dgm:txPr/>
     <dgm:style>
-      <a:lnRef idx="2">
+      <a:lnRef idx="0">
         <a:scrgbClr r="0" g="0" b="0"/>
       </a:lnRef>
-      <a:fillRef idx="1">
+      <a:fillRef idx="3">
         <a:scrgbClr r="0" g="0" b="0"/>
       </a:fillRef>
-      <a:effectRef idx="0">
+      <a:effectRef idx="2">
         <a:scrgbClr r="0" g="0" b="0"/>
       </a:effectRef>
       <a:fontRef idx="minor">
@@ -3459,13 +3691,13 @@
     <dgm:sp3d/>
     <dgm:txPr/>
     <dgm:style>
-      <a:lnRef idx="2">
+      <a:lnRef idx="0">
         <a:scrgbClr r="0" g="0" b="0"/>
       </a:lnRef>
-      <a:fillRef idx="1">
+      <a:fillRef idx="3">
         <a:scrgbClr r="0" g="0" b="0"/>
       </a:fillRef>
-      <a:effectRef idx="0">
+      <a:effectRef idx="2">
         <a:scrgbClr r="0" g="0" b="0"/>
       </a:effectRef>
       <a:fontRef idx="minor">
@@ -3481,13 +3713,13 @@
     <dgm:sp3d/>
     <dgm:txPr/>
     <dgm:style>
-      <a:lnRef idx="2">
+      <a:lnRef idx="0">
         <a:scrgbClr r="0" g="0" b="0"/>
       </a:lnRef>
-      <a:fillRef idx="1">
+      <a:fillRef idx="3">
         <a:scrgbClr r="0" g="0" b="0"/>
       </a:fillRef>
-      <a:effectRef idx="0">
+      <a:effectRef idx="2">
         <a:scrgbClr r="0" g="0" b="0"/>
       </a:effectRef>
       <a:fontRef idx="minor">
@@ -3503,13 +3735,13 @@
     <dgm:sp3d/>
     <dgm:txPr/>
     <dgm:style>
-      <a:lnRef idx="2">
+      <a:lnRef idx="0">
         <a:scrgbClr r="0" g="0" b="0"/>
       </a:lnRef>
-      <a:fillRef idx="1">
+      <a:fillRef idx="3">
         <a:scrgbClr r="0" g="0" b="0"/>
       </a:fillRef>
-      <a:effectRef idx="0">
+      <a:effectRef idx="2">
         <a:scrgbClr r="0" g="0" b="0"/>
       </a:effectRef>
       <a:fontRef idx="minor">
@@ -3525,13 +3757,13 @@
     <dgm:sp3d/>
     <dgm:txPr/>
     <dgm:style>
-      <a:lnRef idx="2">
+      <a:lnRef idx="1">
         <a:scrgbClr r="0" g="0" b="0"/>
       </a:lnRef>
-      <a:fillRef idx="1">
+      <a:fillRef idx="3">
         <a:scrgbClr r="0" g="0" b="0"/>
       </a:fillRef>
-      <a:effectRef idx="0">
+      <a:effectRef idx="2">
         <a:scrgbClr r="0" g="0" b="0"/>
       </a:effectRef>
       <a:fontRef idx="minor">
@@ -3547,13 +3779,13 @@
     <dgm:sp3d/>
     <dgm:txPr/>
     <dgm:style>
-      <a:lnRef idx="2">
+      <a:lnRef idx="1">
         <a:scrgbClr r="0" g="0" b="0"/>
       </a:lnRef>
-      <a:fillRef idx="1">
+      <a:fillRef idx="3">
         <a:scrgbClr r="0" g="0" b="0"/>
       </a:fillRef>
-      <a:effectRef idx="0">
+      <a:effectRef idx="2">
         <a:scrgbClr r="0" g="0" b="0"/>
       </a:effectRef>
       <a:fontRef idx="minor">
@@ -3569,7 +3801,7 @@
     <dgm:sp3d/>
     <dgm:txPr/>
     <dgm:style>
-      <a:lnRef idx="2">
+      <a:lnRef idx="1">
         <a:scrgbClr r="0" g="0" b="0"/>
       </a:lnRef>
       <a:fillRef idx="0">
@@ -3589,7 +3821,7 @@
     <dgm:sp3d/>
     <dgm:txPr/>
     <dgm:style>
-      <a:lnRef idx="2">
+      <a:lnRef idx="1">
         <a:scrgbClr r="0" g="0" b="0"/>
       </a:lnRef>
       <a:fillRef idx="0">
@@ -3609,7 +3841,7 @@
     <dgm:sp3d/>
     <dgm:txPr/>
     <dgm:style>
-      <a:lnRef idx="2">
+      <a:lnRef idx="1">
         <a:scrgbClr r="0" g="0" b="0"/>
       </a:lnRef>
       <a:fillRef idx="0">
@@ -3629,7 +3861,7 @@
     <dgm:sp3d/>
     <dgm:txPr/>
     <dgm:style>
-      <a:lnRef idx="2">
+      <a:lnRef idx="1">
         <a:scrgbClr r="0" g="0" b="0"/>
       </a:lnRef>
       <a:fillRef idx="0">
@@ -3649,7 +3881,7 @@
     <dgm:sp3d/>
     <dgm:txPr/>
     <dgm:style>
-      <a:lnRef idx="2">
+      <a:lnRef idx="1">
         <a:scrgbClr r="0" g="0" b="0"/>
       </a:lnRef>
       <a:fillRef idx="1">
@@ -3669,7 +3901,7 @@
     <dgm:sp3d/>
     <dgm:txPr/>
     <dgm:style>
-      <a:lnRef idx="2">
+      <a:lnRef idx="1">
         <a:scrgbClr r="0" g="0" b="0"/>
       </a:lnRef>
       <a:fillRef idx="1">
@@ -3689,7 +3921,7 @@
     <dgm:sp3d/>
     <dgm:txPr/>
     <dgm:style>
-      <a:lnRef idx="2">
+      <a:lnRef idx="1">
         <a:scrgbClr r="0" g="0" b="0"/>
       </a:lnRef>
       <a:fillRef idx="1">
@@ -3729,7 +3961,7 @@
     <dgm:sp3d/>
     <dgm:txPr/>
     <dgm:style>
-      <a:lnRef idx="2">
+      <a:lnRef idx="1">
         <a:scrgbClr r="0" g="0" b="0"/>
       </a:lnRef>
       <a:fillRef idx="1">
@@ -3749,7 +3981,7 @@
     <dgm:sp3d/>
     <dgm:txPr/>
     <dgm:style>
-      <a:lnRef idx="2">
+      <a:lnRef idx="1">
         <a:scrgbClr r="0" g="0" b="0"/>
       </a:lnRef>
       <a:fillRef idx="1">
@@ -3769,7 +4001,7 @@
     <dgm:sp3d/>
     <dgm:txPr/>
     <dgm:style>
-      <a:lnRef idx="2">
+      <a:lnRef idx="1">
         <a:scrgbClr r="0" g="0" b="0"/>
       </a:lnRef>
       <a:fillRef idx="1">
@@ -3789,7 +4021,7 @@
     <dgm:sp3d/>
     <dgm:txPr/>
     <dgm:style>
-      <a:lnRef idx="2">
+      <a:lnRef idx="1">
         <a:scrgbClr r="0" g="0" b="0"/>
       </a:lnRef>
       <a:fillRef idx="1">
@@ -3809,7 +4041,7 @@
     <dgm:sp3d/>
     <dgm:txPr/>
     <dgm:style>
-      <a:lnRef idx="2">
+      <a:lnRef idx="1">
         <a:scrgbClr r="0" g="0" b="0"/>
       </a:lnRef>
       <a:fillRef idx="1">
@@ -3829,7 +4061,7 @@
     <dgm:sp3d/>
     <dgm:txPr/>
     <dgm:style>
-      <a:lnRef idx="2">
+      <a:lnRef idx="1">
         <a:scrgbClr r="0" g="0" b="0"/>
       </a:lnRef>
       <a:fillRef idx="1">
@@ -3849,7 +4081,7 @@
     <dgm:sp3d/>
     <dgm:txPr/>
     <dgm:style>
-      <a:lnRef idx="2">
+      <a:lnRef idx="1">
         <a:scrgbClr r="0" g="0" b="0"/>
       </a:lnRef>
       <a:fillRef idx="1">
@@ -3869,7 +4101,7 @@
     <dgm:sp3d/>
     <dgm:txPr/>
     <dgm:style>
-      <a:lnRef idx="2">
+      <a:lnRef idx="1">
         <a:scrgbClr r="0" g="0" b="0"/>
       </a:lnRef>
       <a:fillRef idx="1">
@@ -3889,7 +4121,7 @@
     <dgm:sp3d/>
     <dgm:txPr/>
     <dgm:style>
-      <a:lnRef idx="2">
+      <a:lnRef idx="1">
         <a:scrgbClr r="0" g="0" b="0"/>
       </a:lnRef>
       <a:fillRef idx="1">
@@ -3909,7 +4141,7 @@
     <dgm:sp3d/>
     <dgm:txPr/>
     <dgm:style>
-      <a:lnRef idx="2">
+      <a:lnRef idx="1">
         <a:scrgbClr r="0" g="0" b="0"/>
       </a:lnRef>
       <a:fillRef idx="1">
@@ -3929,7 +4161,7 @@
     <dgm:sp3d/>
     <dgm:txPr/>
     <dgm:style>
-      <a:lnRef idx="2">
+      <a:lnRef idx="1">
         <a:scrgbClr r="0" g="0" b="0"/>
       </a:lnRef>
       <a:fillRef idx="1">
@@ -3955,7 +4187,7 @@
       <a:fillRef idx="1">
         <a:scrgbClr r="0" g="0" b="0"/>
       </a:fillRef>
-      <a:effectRef idx="0">
+      <a:effectRef idx="2">
         <a:scrgbClr r="0" g="0" b="0"/>
       </a:effectRef>
       <a:fontRef idx="minor"/>
@@ -3975,7 +4207,7 @@
       <a:fillRef idx="1">
         <a:scrgbClr r="0" g="0" b="0"/>
       </a:fillRef>
-      <a:effectRef idx="0">
+      <a:effectRef idx="2">
         <a:scrgbClr r="0" g="0" b="0"/>
       </a:effectRef>
       <a:fontRef idx="minor"/>
@@ -4009,13 +4241,13 @@
     <dgm:sp3d/>
     <dgm:txPr/>
     <dgm:style>
-      <a:lnRef idx="2">
+      <a:lnRef idx="0">
         <a:scrgbClr r="0" g="0" b="0"/>
       </a:lnRef>
-      <a:fillRef idx="1">
+      <a:fillRef idx="3">
         <a:scrgbClr r="0" g="0" b="0"/>
       </a:fillRef>
-      <a:effectRef idx="0">
+      <a:effectRef idx="2">
         <a:scrgbClr r="0" g="0" b="0"/>
       </a:effectRef>
       <a:fontRef idx="minor"/>
@@ -7946,10 +8178,10 @@
       </p:grpSpPr>
       <p:sp useBgFill="1">
         <p:nvSpPr>
-          <p:cNvPr id="9" name="Rectangle 8">
+          <p:cNvPr id="18" name="Rectangle 17">
             <a:extLst>
               <a:ext uri="{FF2B5EF4-FFF2-40B4-BE49-F238E27FC236}">
-                <a16:creationId xmlns:a16="http://schemas.microsoft.com/office/drawing/2014/main" id="{53B021B3-DE93-4AB7-8A18-CF5F1CED88B8}"/>
+                <a16:creationId xmlns:a16="http://schemas.microsoft.com/office/drawing/2014/main" id="{9427AF5F-9A0E-42B7-A252-FD64C9885F9C}"/>
               </a:ext>
               <a:ext uri="{C183D7F6-B498-43B3-948B-1728B52AA6E4}">
                 <adec:decorative xmlns:adec="http://schemas.microsoft.com/office/drawing/2017/decorative" val="1"/>
@@ -7969,8 +8201,8 @@
         </p:nvSpPr>
         <p:spPr>
           <a:xfrm>
-            <a:off x="0" y="0"/>
-            <a:ext cx="12192000" cy="6858000"/>
+            <a:off x="-1" y="0"/>
+            <a:ext cx="12188952" cy="6858000"/>
           </a:xfrm>
           <a:prstGeom prst="rect">
             <a:avLst/>
@@ -8022,160 +8254,52 @@
         </p:nvSpPr>
         <p:spPr>
           <a:xfrm>
-            <a:off x="841248" y="256032"/>
-            <a:ext cx="10506456" cy="1014984"/>
+            <a:off x="838200" y="365125"/>
+            <a:ext cx="10515600" cy="1306443"/>
           </a:xfrm>
         </p:spPr>
         <p:txBody>
-          <a:bodyPr anchor="b">
+          <a:bodyPr>
             <a:normAutofit/>
           </a:bodyPr>
           <a:lstStyle/>
           <a:p>
             <a:r>
-              <a:rPr lang="en-US" dirty="0"/>
+              <a:rPr lang="en-US" sz="4000"/>
               <a:t>Implementation</a:t>
             </a:r>
           </a:p>
         </p:txBody>
       </p:sp>
-      <p:sp>
-        <p:nvSpPr>
-          <p:cNvPr id="11" name="Rectangle 10">
+      <p:pic>
+        <p:nvPicPr>
+          <p:cNvPr id="3" name="图片 2">
             <a:extLst>
               <a:ext uri="{FF2B5EF4-FFF2-40B4-BE49-F238E27FC236}">
-                <a16:creationId xmlns:a16="http://schemas.microsoft.com/office/drawing/2014/main" id="{52D502E5-F6B4-4D58-B4AE-FC466FF15EE8}"/>
-              </a:ext>
-              <a:ext uri="{C183D7F6-B498-43B3-948B-1728B52AA6E4}">
-                <adec:decorative xmlns:adec="http://schemas.microsoft.com/office/drawing/2017/decorative" val="1"/>
+                <a16:creationId xmlns:a16="http://schemas.microsoft.com/office/drawing/2014/main" id="{BFC450D0-021B-4FE9-B18D-05290AA88D91}"/>
               </a:ext>
             </a:extLst>
           </p:cNvPr>
-          <p:cNvSpPr>
-            <a:spLocks noGrp="1" noRot="1" noChangeAspect="1" noMove="1" noResize="1" noEditPoints="1" noAdjustHandles="1" noChangeArrowheads="1" noChangeShapeType="1" noTextEdit="1"/>
-          </p:cNvSpPr>
-          <p:nvPr>
-            <p:extLst>
-              <p:ext uri="{386F3935-93C4-4BCD-93E2-E3B085C9AB24}">
-                <p16:designElem xmlns:p16="http://schemas.microsoft.com/office/powerpoint/2015/main" val="1"/>
-              </p:ext>
-            </p:extLst>
-          </p:nvPr>
-        </p:nvSpPr>
+          <p:cNvPicPr>
+            <a:picLocks noChangeAspect="1"/>
+          </p:cNvPicPr>
+          <p:nvPr/>
+        </p:nvPicPr>
+        <p:blipFill rotWithShape="1">
+          <a:blip r:embed="rId2"/>
+          <a:srcRect r="6894" b="1"/>
+          <a:stretch/>
+        </p:blipFill>
         <p:spPr>
           <a:xfrm>
-            <a:off x="865953" y="1634502"/>
-            <a:ext cx="10451592" cy="18288"/>
+            <a:off x="6524616" y="1904282"/>
+            <a:ext cx="4829183" cy="3306545"/>
           </a:xfrm>
           <a:prstGeom prst="rect">
             <a:avLst/>
           </a:prstGeom>
-          <a:solidFill>
-            <a:srgbClr val="D5D5D5"/>
-          </a:solidFill>
-          <a:ln w="3175">
-            <a:noFill/>
-          </a:ln>
-          <a:effectLst/>
         </p:spPr>
-        <p:style>
-          <a:lnRef idx="2">
-            <a:schemeClr val="accent1">
-              <a:shade val="50000"/>
-            </a:schemeClr>
-          </a:lnRef>
-          <a:fillRef idx="1">
-            <a:schemeClr val="accent1"/>
-          </a:fillRef>
-          <a:effectRef idx="0">
-            <a:schemeClr val="accent1"/>
-          </a:effectRef>
-          <a:fontRef idx="minor">
-            <a:schemeClr val="lt1"/>
-          </a:fontRef>
-        </p:style>
-        <p:txBody>
-          <a:bodyPr rtlCol="0" anchor="ctr"/>
-          <a:lstStyle/>
-          <a:p>
-            <a:pPr algn="ctr"/>
-            <a:endParaRPr lang="en-US">
-              <a:solidFill>
-                <a:prstClr val="white"/>
-              </a:solidFill>
-              <a:latin typeface="Calibri" panose="020F0502020204030204"/>
-            </a:endParaRPr>
-          </a:p>
-        </p:txBody>
-      </p:sp>
-      <p:sp>
-        <p:nvSpPr>
-          <p:cNvPr id="13" name="Rectangle 12">
-            <a:extLst>
-              <a:ext uri="{FF2B5EF4-FFF2-40B4-BE49-F238E27FC236}">
-                <a16:creationId xmlns:a16="http://schemas.microsoft.com/office/drawing/2014/main" id="{9DECDBF4-02B6-4BB4-B65B-B8107AD6A9E8}"/>
-              </a:ext>
-              <a:ext uri="{C183D7F6-B498-43B3-948B-1728B52AA6E4}">
-                <adec:decorative xmlns:adec="http://schemas.microsoft.com/office/drawing/2017/decorative" val="1"/>
-              </a:ext>
-            </a:extLst>
-          </p:cNvPr>
-          <p:cNvSpPr>
-            <a:spLocks noGrp="1" noRot="1" noChangeAspect="1" noMove="1" noResize="1" noEditPoints="1" noAdjustHandles="1" noChangeArrowheads="1" noChangeShapeType="1" noTextEdit="1"/>
-          </p:cNvSpPr>
-          <p:nvPr>
-            <p:extLst>
-              <p:ext uri="{386F3935-93C4-4BCD-93E2-E3B085C9AB24}">
-                <p16:designElem xmlns:p16="http://schemas.microsoft.com/office/powerpoint/2015/main" val="1"/>
-              </p:ext>
-            </p:extLst>
-          </p:nvPr>
-        </p:nvSpPr>
-        <p:spPr>
-          <a:xfrm flipV="1">
-            <a:off x="841248" y="1538176"/>
-            <a:ext cx="1873457" cy="109814"/>
-          </a:xfrm>
-          <a:prstGeom prst="rect">
-            <a:avLst/>
-          </a:prstGeom>
-          <a:solidFill>
-            <a:schemeClr val="accent2"/>
-          </a:solidFill>
-          <a:ln>
-            <a:noFill/>
-          </a:ln>
-        </p:spPr>
-        <p:style>
-          <a:lnRef idx="2">
-            <a:schemeClr val="accent1">
-              <a:shade val="50000"/>
-            </a:schemeClr>
-          </a:lnRef>
-          <a:fillRef idx="1">
-            <a:schemeClr val="accent1"/>
-          </a:fillRef>
-          <a:effectRef idx="0">
-            <a:schemeClr val="accent1"/>
-          </a:effectRef>
-          <a:fontRef idx="minor">
-            <a:schemeClr val="lt1"/>
-          </a:fontRef>
-        </p:style>
-        <p:txBody>
-          <a:bodyPr rtlCol="0" anchor="ctr"/>
-          <a:lstStyle/>
-          <a:p>
-            <a:pPr algn="ctr"/>
-            <a:endParaRPr lang="en-US">
-              <a:solidFill>
-                <a:prstClr val="white"/>
-              </a:solidFill>
-              <a:latin typeface="Calibri" panose="020F0502020204030204"/>
-            </a:endParaRPr>
-          </a:p>
-        </p:txBody>
-      </p:sp>
+      </p:pic>
       <p:graphicFrame>
         <p:nvGraphicFramePr>
           <p:cNvPr id="5" name="内容占位符 2">
@@ -8192,18 +8316,18 @@
             <p:ph idx="1"/>
             <p:extLst>
               <p:ext uri="{D42A27DB-BD31-4B8C-83A1-F6EECF244321}">
-                <p14:modId xmlns:p14="http://schemas.microsoft.com/office/powerpoint/2010/main" val="2954481318"/>
+                <p14:modId xmlns:p14="http://schemas.microsoft.com/office/powerpoint/2010/main" val="1969548098"/>
               </p:ext>
             </p:extLst>
           </p:nvPr>
         </p:nvGraphicFramePr>
         <p:xfrm>
-          <a:off x="838200" y="1926266"/>
-          <a:ext cx="10515600" cy="4357524"/>
+          <a:off x="712938" y="950575"/>
+          <a:ext cx="5468655" cy="5667094"/>
         </p:xfrm>
         <a:graphic>
           <a:graphicData uri="http://schemas.openxmlformats.org/drawingml/2006/diagram">
-            <dgm:relIds xmlns:dgm="http://schemas.openxmlformats.org/drawingml/2006/diagram" xmlns:r="http://schemas.openxmlformats.org/officeDocument/2006/relationships" r:dm="rId2" r:lo="rId3" r:qs="rId4" r:cs="rId5"/>
+            <dgm:relIds xmlns:dgm="http://schemas.openxmlformats.org/drawingml/2006/diagram" xmlns:r="http://schemas.openxmlformats.org/officeDocument/2006/relationships" r:dm="rId3" r:lo="rId4" r:qs="rId5" r:cs="rId6"/>
           </a:graphicData>
         </a:graphic>
       </p:graphicFrame>
